--- a/ppt/Aclabs_1_1.pptx
+++ b/ppt/Aclabs_1_1.pptx
@@ -7,6 +7,9 @@
   <p:notesMasterIdLst>
     <p:notesMasterId r:id="rId30"/>
   </p:notesMasterIdLst>
+  <p:handoutMasterIdLst>
+    <p:handoutMasterId r:id="rId31"/>
+  </p:handoutMasterIdLst>
   <p:sldIdLst>
     <p:sldId id="260" r:id="rId2"/>
     <p:sldId id="262" r:id="rId3"/>
@@ -137,6 +140,9 @@
   <p:extLst>
     <p:ext uri="{EFAFB233-063F-42B5-8137-9DF3F51BA10A}">
       <p15:sldGuideLst xmlns:p15="http://schemas.microsoft.com/office/powerpoint/2012/main"/>
+    </p:ext>
+    <p:ext uri="{2D200454-40CA-4A62-9FC3-DE9A4176ACB9}">
+      <p15:notesGuideLst xmlns:p15="http://schemas.microsoft.com/office/powerpoint/2012/main"/>
     </p:ext>
   </p:extLst>
 </p:presentation>
@@ -7772,7 +7778,7 @@
   <dgm:whole/>
   <dgm:extLst>
     <a:ext uri="http://schemas.microsoft.com/office/drawing/2008/diagram">
-      <dsp:dataModelExt xmlns:dsp="http://schemas.microsoft.com/office/drawing/2008/diagram" relId="rId6" minVer="http://schemas.openxmlformats.org/drawingml/2006/diagram"/>
+      <dsp:dataModelExt xmlns:dsp="http://schemas.microsoft.com/office/drawing/2008/diagram" relId="rId7" minVer="http://schemas.openxmlformats.org/drawingml/2006/diagram"/>
     </a:ext>
   </dgm:extLst>
 </dgm:dataModel>
@@ -8117,7 +8123,7 @@
   <dgm:whole/>
   <dgm:extLst>
     <a:ext uri="http://schemas.microsoft.com/office/drawing/2008/diagram">
-      <dsp:dataModelExt xmlns:dsp="http://schemas.microsoft.com/office/drawing/2008/diagram" relId="rId7" minVer="http://schemas.openxmlformats.org/drawingml/2006/diagram"/>
+      <dsp:dataModelExt xmlns:dsp="http://schemas.microsoft.com/office/drawing/2008/diagram" relId="rId8" minVer="http://schemas.openxmlformats.org/drawingml/2006/diagram"/>
     </a:ext>
   </dgm:extLst>
 </dgm:dataModel>
@@ -8710,7 +8716,7 @@
   <dgm:whole/>
   <dgm:extLst>
     <a:ext uri="http://schemas.microsoft.com/office/drawing/2008/diagram">
-      <dsp:dataModelExt xmlns:dsp="http://schemas.microsoft.com/office/drawing/2008/diagram" relId="rId7" minVer="http://schemas.openxmlformats.org/drawingml/2006/diagram"/>
+      <dsp:dataModelExt xmlns:dsp="http://schemas.microsoft.com/office/drawing/2008/diagram" relId="rId8" minVer="http://schemas.openxmlformats.org/drawingml/2006/diagram"/>
     </a:ext>
   </dgm:extLst>
 </dgm:dataModel>
@@ -9307,7 +9313,7 @@
   <dgm:whole/>
   <dgm:extLst>
     <a:ext uri="http://schemas.microsoft.com/office/drawing/2008/diagram">
-      <dsp:dataModelExt xmlns:dsp="http://schemas.microsoft.com/office/drawing/2008/diagram" relId="rId6" minVer="http://schemas.openxmlformats.org/drawingml/2006/diagram"/>
+      <dsp:dataModelExt xmlns:dsp="http://schemas.microsoft.com/office/drawing/2008/diagram" relId="rId7" minVer="http://schemas.openxmlformats.org/drawingml/2006/diagram"/>
     </a:ext>
   </dgm:extLst>
 </dgm:dataModel>
@@ -24828,6 +24834,195 @@
 </dgm:styleDef>
 </file>
 
+<file path=ppt/handoutMasters/handoutMaster1.xml><?xml version="1.0" encoding="utf-8"?>
+<p:handoutMaster xmlns:a="http://schemas.openxmlformats.org/drawingml/2006/main" xmlns:r="http://schemas.openxmlformats.org/officeDocument/2006/relationships" xmlns:p="http://schemas.openxmlformats.org/presentationml/2006/main">
+  <p:cSld>
+    <p:bg>
+      <p:bgRef idx="1001">
+        <a:schemeClr val="bg1"/>
+      </p:bgRef>
+    </p:bg>
+    <p:spTree>
+      <p:nvGrpSpPr>
+        <p:cNvPr id="1" name=""/>
+        <p:cNvGrpSpPr/>
+        <p:nvPr/>
+      </p:nvGrpSpPr>
+      <p:grpSpPr>
+        <a:xfrm>
+          <a:off x="0" y="0"/>
+          <a:ext cx="0" cy="0"/>
+          <a:chOff x="0" y="0"/>
+          <a:chExt cx="0" cy="0"/>
+        </a:xfrm>
+      </p:grpSpPr>
+      <p:sp>
+        <p:nvSpPr>
+          <p:cNvPr id="2" name="Header Placeholder 1">
+            <a:extLst>
+              <a:ext uri="{FF2B5EF4-FFF2-40B4-BE49-F238E27FC236}">
+                <a16:creationId xmlns:a16="http://schemas.microsoft.com/office/drawing/2014/main" id="{55950BB0-185E-4603-9729-522433689510}"/>
+              </a:ext>
+            </a:extLst>
+          </p:cNvPr>
+          <p:cNvSpPr>
+            <a:spLocks noGrp="1"/>
+          </p:cNvSpPr>
+          <p:nvPr>
+            <p:ph type="hdr" sz="quarter"/>
+          </p:nvPr>
+        </p:nvSpPr>
+        <p:spPr>
+          <a:xfrm>
+            <a:off x="0" y="0"/>
+            <a:ext cx="2971800" cy="458788"/>
+          </a:xfrm>
+          <a:prstGeom prst="rect">
+            <a:avLst/>
+          </a:prstGeom>
+        </p:spPr>
+        <p:txBody>
+          <a:bodyPr vert="horz" lIns="91440" tIns="45720" rIns="91440" bIns="45720" rtlCol="0"/>
+          <a:lstStyle>
+            <a:lvl1pPr algn="l">
+              <a:defRPr sz="1200"/>
+            </a:lvl1pPr>
+          </a:lstStyle>
+          <a:p>
+            <a:endParaRPr lang="en-US"/>
+          </a:p>
+        </p:txBody>
+      </p:sp>
+      <p:sp>
+        <p:nvSpPr>
+          <p:cNvPr id="3" name="Date Placeholder 2">
+            <a:extLst>
+              <a:ext uri="{FF2B5EF4-FFF2-40B4-BE49-F238E27FC236}">
+                <a16:creationId xmlns:a16="http://schemas.microsoft.com/office/drawing/2014/main" id="{DF71E60D-316A-4D14-BF77-0A25311047B5}"/>
+              </a:ext>
+            </a:extLst>
+          </p:cNvPr>
+          <p:cNvSpPr>
+            <a:spLocks noGrp="1"/>
+          </p:cNvSpPr>
+          <p:nvPr>
+            <p:ph type="dt" sz="quarter" idx="1"/>
+          </p:nvPr>
+        </p:nvSpPr>
+        <p:spPr>
+          <a:xfrm>
+            <a:off x="3884613" y="0"/>
+            <a:ext cx="2971800" cy="458788"/>
+          </a:xfrm>
+          <a:prstGeom prst="rect">
+            <a:avLst/>
+          </a:prstGeom>
+        </p:spPr>
+        <p:txBody>
+          <a:bodyPr vert="horz" lIns="91440" tIns="45720" rIns="91440" bIns="45720" rtlCol="0"/>
+          <a:lstStyle>
+            <a:lvl1pPr algn="r">
+              <a:defRPr sz="1200"/>
+            </a:lvl1pPr>
+          </a:lstStyle>
+          <a:p>
+            <a:fld id="{37D27A22-9821-4E20-B6D3-21660B337176}" type="datetimeFigureOut">
+              <a:rPr lang="en-US" smtClean="0"/>
+              <a:t>3/26/2019</a:t>
+            </a:fld>
+            <a:endParaRPr lang="en-US"/>
+          </a:p>
+        </p:txBody>
+      </p:sp>
+      <p:sp>
+        <p:nvSpPr>
+          <p:cNvPr id="4" name="Footer Placeholder 3">
+            <a:extLst>
+              <a:ext uri="{FF2B5EF4-FFF2-40B4-BE49-F238E27FC236}">
+                <a16:creationId xmlns:a16="http://schemas.microsoft.com/office/drawing/2014/main" id="{A17D210C-C6D6-49C2-A5B3-4C62DD484A9F}"/>
+              </a:ext>
+            </a:extLst>
+          </p:cNvPr>
+          <p:cNvSpPr>
+            <a:spLocks noGrp="1"/>
+          </p:cNvSpPr>
+          <p:nvPr>
+            <p:ph type="ftr" sz="quarter" idx="2"/>
+          </p:nvPr>
+        </p:nvSpPr>
+        <p:spPr>
+          <a:xfrm>
+            <a:off x="0" y="8685213"/>
+            <a:ext cx="2971800" cy="458787"/>
+          </a:xfrm>
+          <a:prstGeom prst="rect">
+            <a:avLst/>
+          </a:prstGeom>
+        </p:spPr>
+        <p:txBody>
+          <a:bodyPr vert="horz" lIns="91440" tIns="45720" rIns="91440" bIns="45720" rtlCol="0" anchor="b"/>
+          <a:lstStyle>
+            <a:lvl1pPr algn="l">
+              <a:defRPr sz="1200"/>
+            </a:lvl1pPr>
+          </a:lstStyle>
+          <a:p>
+            <a:endParaRPr lang="en-US"/>
+          </a:p>
+        </p:txBody>
+      </p:sp>
+      <p:sp>
+        <p:nvSpPr>
+          <p:cNvPr id="5" name="Slide Number Placeholder 4">
+            <a:extLst>
+              <a:ext uri="{FF2B5EF4-FFF2-40B4-BE49-F238E27FC236}">
+                <a16:creationId xmlns:a16="http://schemas.microsoft.com/office/drawing/2014/main" id="{C569482C-92B5-442C-A8B6-72E54AC619A8}"/>
+              </a:ext>
+            </a:extLst>
+          </p:cNvPr>
+          <p:cNvSpPr>
+            <a:spLocks noGrp="1"/>
+          </p:cNvSpPr>
+          <p:nvPr>
+            <p:ph type="sldNum" sz="quarter" idx="3"/>
+          </p:nvPr>
+        </p:nvSpPr>
+        <p:spPr>
+          <a:xfrm>
+            <a:off x="3884613" y="8685213"/>
+            <a:ext cx="2971800" cy="458787"/>
+          </a:xfrm>
+          <a:prstGeom prst="rect">
+            <a:avLst/>
+          </a:prstGeom>
+        </p:spPr>
+        <p:txBody>
+          <a:bodyPr vert="horz" lIns="91440" tIns="45720" rIns="91440" bIns="45720" rtlCol="0" anchor="b"/>
+          <a:lstStyle>
+            <a:lvl1pPr algn="r">
+              <a:defRPr sz="1200"/>
+            </a:lvl1pPr>
+          </a:lstStyle>
+          <a:p>
+            <a:fld id="{9B0D7CEC-7824-49B3-ADE3-F4DEF0D0F817}" type="slidenum">
+              <a:rPr lang="en-US" smtClean="0"/>
+              <a:t>‹#›</a:t>
+            </a:fld>
+            <a:endParaRPr lang="en-US"/>
+          </a:p>
+        </p:txBody>
+      </p:sp>
+    </p:spTree>
+    <p:extLst>
+      <p:ext uri="{BB962C8B-B14F-4D97-AF65-F5344CB8AC3E}">
+        <p14:creationId xmlns:p14="http://schemas.microsoft.com/office/powerpoint/2010/main" val="2777467507"/>
+      </p:ext>
+    </p:extLst>
+  </p:cSld>
+  <p:clrMap bg1="lt1" tx1="dk1" bg2="lt2" tx2="dk2" accent1="accent1" accent2="accent2" accent3="accent3" accent4="accent4" accent5="accent5" accent6="accent6" hlink="hlink" folHlink="folHlink"/>
+</p:handoutMaster>
+</file>
+
 <file path=ppt/notesMasters/notesMaster1.xml><?xml version="1.0" encoding="utf-8"?>
 <p:notesMaster xmlns:a="http://schemas.openxmlformats.org/drawingml/2006/main" xmlns:r="http://schemas.openxmlformats.org/officeDocument/2006/relationships" xmlns:p="http://schemas.openxmlformats.org/presentationml/2006/main">
   <p:cSld>
@@ -24910,7 +25105,7 @@
           <a:p>
             <a:fld id="{A87AB6CD-CDC0-470C-AED1-0583E7ADE7C3}" type="datetimeFigureOut">
               <a:rPr lang="en-US" smtClean="0"/>
-              <a:t>3/25/2019</a:t>
+              <a:t>3/26/2019</a:t>
             </a:fld>
             <a:endParaRPr lang="en-US"/>
           </a:p>
@@ -25231,7 +25426,7 @@
                 <a:ea typeface="+mn-ea"/>
                 <a:cs typeface="+mn-cs"/>
               </a:rPr>
-              <a:t>Nothing happens in our society, unless software is intimately involved with the monitoring and coordinating. And we write that software. And that makes us the rulers of the world. Oh, other people think they make the rules. But then they hand those rules to us. And then we write those rules. And they execute in the machines that monitor and coordinate every aspect of our lives.</a:t>
+              <a:t>Nothing happens in our society, unless software is intimately involved with the monitoring and coordinating. </a:t>
             </a:r>
           </a:p>
           <a:p>
@@ -25245,7 +25440,105 @@
                 <a:ea typeface="+mn-ea"/>
                 <a:cs typeface="+mn-cs"/>
               </a:rPr>
-              <a:t>No correspondence is sent or received without software. No documents are written without software. No laws are passed or enforced without software. Nothing happens in our society unless software is somehow mediating it. Software has become the most critical component in the infrastructure of our civilization. Society doesn't really understand this yet. We don't really understand this yet, we programmers. But the realization is beginning to dawn, both amongst society and amongst us. That the software we write plays a critical role in our whole civilization. That lives and fortunes are at stake. And the realization is also beginning to dawn that much of this software is being written by people who do not profess a minimum level of discipline. </a:t>
+              <a:t>And we write that software. And that makes us the rulers of the world. Oh, other people think they make the rules. But then they hand those rules to us. And then we write those rules. And they execute in the machines that monitor and coordinate every aspect of our lives.</a:t>
+            </a:r>
+          </a:p>
+          <a:p>
+            <a:r>
+              <a:rPr lang="en-US" sz="1200" b="0" i="0" kern="1200" dirty="0">
+                <a:solidFill>
+                  <a:schemeClr val="tx1"/>
+                </a:solidFill>
+                <a:effectLst/>
+                <a:latin typeface="+mn-lt"/>
+                <a:ea typeface="+mn-ea"/>
+                <a:cs typeface="+mn-cs"/>
+              </a:rPr>
+              <a:t>No correspondence is sent or received without software. No documents are written without software. No laws are passed or enforced without software. Nothing happens in our society unless software is somehow mediating it. </a:t>
+            </a:r>
+          </a:p>
+          <a:p>
+            <a:r>
+              <a:rPr lang="en-US" sz="1200" b="0" i="0" kern="1200" dirty="0">
+                <a:solidFill>
+                  <a:schemeClr val="tx1"/>
+                </a:solidFill>
+                <a:effectLst/>
+                <a:latin typeface="+mn-lt"/>
+                <a:ea typeface="+mn-ea"/>
+                <a:cs typeface="+mn-cs"/>
+              </a:rPr>
+              <a:t>Software has become the most critical component in the infrastructure of our civilization. </a:t>
+            </a:r>
+          </a:p>
+          <a:p>
+            <a:r>
+              <a:rPr lang="en-US" sz="1200" b="0" i="0" kern="1200" dirty="0">
+                <a:solidFill>
+                  <a:schemeClr val="tx1"/>
+                </a:solidFill>
+                <a:effectLst/>
+                <a:latin typeface="+mn-lt"/>
+                <a:ea typeface="+mn-ea"/>
+                <a:cs typeface="+mn-cs"/>
+              </a:rPr>
+              <a:t>Society doesn't really understand this yet. We don't really understand this yet, we programmers. </a:t>
+            </a:r>
+          </a:p>
+          <a:p>
+            <a:r>
+              <a:rPr lang="en-US" sz="1200" b="0" i="0" kern="1200" dirty="0">
+                <a:solidFill>
+                  <a:schemeClr val="tx1"/>
+                </a:solidFill>
+                <a:effectLst/>
+                <a:latin typeface="+mn-lt"/>
+                <a:ea typeface="+mn-ea"/>
+                <a:cs typeface="+mn-cs"/>
+              </a:rPr>
+              <a:t>But the realization is beginning to dawn, both amongst society and amongst us. </a:t>
+            </a:r>
+          </a:p>
+          <a:p>
+            <a:r>
+              <a:rPr lang="en-US" sz="1200" b="0" i="0" kern="1200" dirty="0">
+                <a:solidFill>
+                  <a:schemeClr val="tx1"/>
+                </a:solidFill>
+                <a:effectLst/>
+                <a:latin typeface="+mn-lt"/>
+                <a:ea typeface="+mn-ea"/>
+                <a:cs typeface="+mn-cs"/>
+              </a:rPr>
+              <a:t>That the software we write plays a critical role in our whole civilization. </a:t>
+            </a:r>
+          </a:p>
+          <a:p>
+            <a:r>
+              <a:rPr lang="en-US" sz="1200" b="0" i="0" kern="1200" dirty="0">
+                <a:solidFill>
+                  <a:schemeClr val="tx1"/>
+                </a:solidFill>
+                <a:effectLst/>
+                <a:latin typeface="+mn-lt"/>
+                <a:ea typeface="+mn-ea"/>
+                <a:cs typeface="+mn-cs"/>
+              </a:rPr>
+              <a:t>That lives and fortunes are at stake. </a:t>
+            </a:r>
+          </a:p>
+          <a:p>
+            <a:r>
+              <a:rPr lang="en-US" sz="1200" b="0" i="0" kern="1200" dirty="0">
+                <a:solidFill>
+                  <a:schemeClr val="tx1"/>
+                </a:solidFill>
+                <a:effectLst/>
+                <a:latin typeface="+mn-lt"/>
+                <a:ea typeface="+mn-ea"/>
+                <a:cs typeface="+mn-cs"/>
+              </a:rPr>
+              <a:t>And the realization is also beginning to dawn that much of this software is being written by people who do not profess a minimum level of discipline. </a:t>
             </a:r>
           </a:p>
           <a:p>
@@ -25333,10 +25626,7 @@
           <a:bodyPr/>
           <a:lstStyle/>
           <a:p>
-            <a:r>
-              <a:rPr lang="en-US" dirty="0"/>
-              <a:t>To achieve high availability, which is considered five nines, or 99.999% availability, your software system can only be down for 5 minutes and 15 seconds or less during the course of a whole year!</a:t>
-            </a:r>
+            <a:endParaRPr lang="en-US"/>
           </a:p>
         </p:txBody>
       </p:sp>
@@ -25357,7 +25647,7 @@
           <a:p>
             <a:fld id="{98CDECF5-EA96-4DEB-B458-ED3A63297640}" type="slidenum">
               <a:rPr lang="en-US" smtClean="0"/>
-              <a:t>20</a:t>
+              <a:t>11</a:t>
             </a:fld>
             <a:endParaRPr lang="en-US"/>
           </a:p>
@@ -25366,7 +25656,7 @@
     </p:spTree>
     <p:extLst>
       <p:ext uri="{BB962C8B-B14F-4D97-AF65-F5344CB8AC3E}">
-        <p14:creationId xmlns:p14="http://schemas.microsoft.com/office/powerpoint/2010/main" val="1540691715"/>
+        <p14:creationId xmlns:p14="http://schemas.microsoft.com/office/powerpoint/2010/main" val="1632072908"/>
       </p:ext>
     </p:extLst>
   </p:cSld>
@@ -25416,6 +25706,1350 @@
           </p:nvPr>
         </p:nvSpPr>
         <p:spPr/>
+        <p:txBody>
+          <a:bodyPr/>
+          <a:lstStyle/>
+          <a:p>
+            <a:endParaRPr lang="en-US"/>
+          </a:p>
+        </p:txBody>
+      </p:sp>
+      <p:sp>
+        <p:nvSpPr>
+          <p:cNvPr id="4" name="Slide Number Placeholder 3"/>
+          <p:cNvSpPr>
+            <a:spLocks noGrp="1"/>
+          </p:cNvSpPr>
+          <p:nvPr>
+            <p:ph type="sldNum" sz="quarter" idx="5"/>
+          </p:nvPr>
+        </p:nvSpPr>
+        <p:spPr/>
+        <p:txBody>
+          <a:bodyPr/>
+          <a:lstStyle/>
+          <a:p>
+            <a:fld id="{98CDECF5-EA96-4DEB-B458-ED3A63297640}" type="slidenum">
+              <a:rPr lang="en-US" smtClean="0"/>
+              <a:t>12</a:t>
+            </a:fld>
+            <a:endParaRPr lang="en-US"/>
+          </a:p>
+        </p:txBody>
+      </p:sp>
+    </p:spTree>
+    <p:extLst>
+      <p:ext uri="{BB962C8B-B14F-4D97-AF65-F5344CB8AC3E}">
+        <p14:creationId xmlns:p14="http://schemas.microsoft.com/office/powerpoint/2010/main" val="3823187714"/>
+      </p:ext>
+    </p:extLst>
+  </p:cSld>
+  <p:clrMapOvr>
+    <a:masterClrMapping/>
+  </p:clrMapOvr>
+</p:notes>
+</file>
+
+<file path=ppt/notesSlides/notesSlide12.xml><?xml version="1.0" encoding="utf-8"?>
+<p:notes xmlns:a="http://schemas.openxmlformats.org/drawingml/2006/main" xmlns:r="http://schemas.openxmlformats.org/officeDocument/2006/relationships" xmlns:p="http://schemas.openxmlformats.org/presentationml/2006/main">
+  <p:cSld>
+    <p:spTree>
+      <p:nvGrpSpPr>
+        <p:cNvPr id="1" name=""/>
+        <p:cNvGrpSpPr/>
+        <p:nvPr/>
+      </p:nvGrpSpPr>
+      <p:grpSpPr>
+        <a:xfrm>
+          <a:off x="0" y="0"/>
+          <a:ext cx="0" cy="0"/>
+          <a:chOff x="0" y="0"/>
+          <a:chExt cx="0" cy="0"/>
+        </a:xfrm>
+      </p:grpSpPr>
+      <p:sp>
+        <p:nvSpPr>
+          <p:cNvPr id="2" name="Slide Image Placeholder 1"/>
+          <p:cNvSpPr>
+            <a:spLocks noGrp="1" noRot="1" noChangeAspect="1"/>
+          </p:cNvSpPr>
+          <p:nvPr>
+            <p:ph type="sldImg"/>
+          </p:nvPr>
+        </p:nvSpPr>
+        <p:spPr/>
+      </p:sp>
+      <p:sp>
+        <p:nvSpPr>
+          <p:cNvPr id="3" name="Notes Placeholder 2"/>
+          <p:cNvSpPr>
+            <a:spLocks noGrp="1"/>
+          </p:cNvSpPr>
+          <p:nvPr>
+            <p:ph type="body" idx="1"/>
+          </p:nvPr>
+        </p:nvSpPr>
+        <p:spPr/>
+        <p:txBody>
+          <a:bodyPr/>
+          <a:lstStyle/>
+          <a:p>
+            <a:endParaRPr lang="en-US"/>
+          </a:p>
+        </p:txBody>
+      </p:sp>
+      <p:sp>
+        <p:nvSpPr>
+          <p:cNvPr id="4" name="Slide Number Placeholder 3"/>
+          <p:cNvSpPr>
+            <a:spLocks noGrp="1"/>
+          </p:cNvSpPr>
+          <p:nvPr>
+            <p:ph type="sldNum" sz="quarter" idx="5"/>
+          </p:nvPr>
+        </p:nvSpPr>
+        <p:spPr/>
+        <p:txBody>
+          <a:bodyPr/>
+          <a:lstStyle/>
+          <a:p>
+            <a:fld id="{98CDECF5-EA96-4DEB-B458-ED3A63297640}" type="slidenum">
+              <a:rPr lang="en-US" smtClean="0"/>
+              <a:t>13</a:t>
+            </a:fld>
+            <a:endParaRPr lang="en-US"/>
+          </a:p>
+        </p:txBody>
+      </p:sp>
+    </p:spTree>
+    <p:extLst>
+      <p:ext uri="{BB962C8B-B14F-4D97-AF65-F5344CB8AC3E}">
+        <p14:creationId xmlns:p14="http://schemas.microsoft.com/office/powerpoint/2010/main" val="2574442421"/>
+      </p:ext>
+    </p:extLst>
+  </p:cSld>
+  <p:clrMapOvr>
+    <a:masterClrMapping/>
+  </p:clrMapOvr>
+</p:notes>
+</file>
+
+<file path=ppt/notesSlides/notesSlide13.xml><?xml version="1.0" encoding="utf-8"?>
+<p:notes xmlns:a="http://schemas.openxmlformats.org/drawingml/2006/main" xmlns:r="http://schemas.openxmlformats.org/officeDocument/2006/relationships" xmlns:p="http://schemas.openxmlformats.org/presentationml/2006/main">
+  <p:cSld>
+    <p:spTree>
+      <p:nvGrpSpPr>
+        <p:cNvPr id="1" name=""/>
+        <p:cNvGrpSpPr/>
+        <p:nvPr/>
+      </p:nvGrpSpPr>
+      <p:grpSpPr>
+        <a:xfrm>
+          <a:off x="0" y="0"/>
+          <a:ext cx="0" cy="0"/>
+          <a:chOff x="0" y="0"/>
+          <a:chExt cx="0" cy="0"/>
+        </a:xfrm>
+      </p:grpSpPr>
+      <p:sp>
+        <p:nvSpPr>
+          <p:cNvPr id="2" name="Slide Image Placeholder 1"/>
+          <p:cNvSpPr>
+            <a:spLocks noGrp="1" noRot="1" noChangeAspect="1"/>
+          </p:cNvSpPr>
+          <p:nvPr>
+            <p:ph type="sldImg"/>
+          </p:nvPr>
+        </p:nvSpPr>
+        <p:spPr/>
+      </p:sp>
+      <p:sp>
+        <p:nvSpPr>
+          <p:cNvPr id="3" name="Notes Placeholder 2"/>
+          <p:cNvSpPr>
+            <a:spLocks noGrp="1"/>
+          </p:cNvSpPr>
+          <p:nvPr>
+            <p:ph type="body" idx="1"/>
+          </p:nvPr>
+        </p:nvSpPr>
+        <p:spPr/>
+        <p:txBody>
+          <a:bodyPr/>
+          <a:lstStyle/>
+          <a:p>
+            <a:endParaRPr lang="en-US" dirty="0"/>
+          </a:p>
+        </p:txBody>
+      </p:sp>
+      <p:sp>
+        <p:nvSpPr>
+          <p:cNvPr id="4" name="Slide Number Placeholder 3"/>
+          <p:cNvSpPr>
+            <a:spLocks noGrp="1"/>
+          </p:cNvSpPr>
+          <p:nvPr>
+            <p:ph type="sldNum" sz="quarter" idx="5"/>
+          </p:nvPr>
+        </p:nvSpPr>
+        <p:spPr/>
+        <p:txBody>
+          <a:bodyPr/>
+          <a:lstStyle/>
+          <a:p>
+            <a:fld id="{98CDECF5-EA96-4DEB-B458-ED3A63297640}" type="slidenum">
+              <a:rPr lang="en-US" smtClean="0"/>
+              <a:t>14</a:t>
+            </a:fld>
+            <a:endParaRPr lang="en-US"/>
+          </a:p>
+        </p:txBody>
+      </p:sp>
+    </p:spTree>
+    <p:extLst>
+      <p:ext uri="{BB962C8B-B14F-4D97-AF65-F5344CB8AC3E}">
+        <p14:creationId xmlns:p14="http://schemas.microsoft.com/office/powerpoint/2010/main" val="605309595"/>
+      </p:ext>
+    </p:extLst>
+  </p:cSld>
+  <p:clrMapOvr>
+    <a:masterClrMapping/>
+  </p:clrMapOvr>
+</p:notes>
+</file>
+
+<file path=ppt/notesSlides/notesSlide14.xml><?xml version="1.0" encoding="utf-8"?>
+<p:notes xmlns:a="http://schemas.openxmlformats.org/drawingml/2006/main" xmlns:r="http://schemas.openxmlformats.org/officeDocument/2006/relationships" xmlns:p="http://schemas.openxmlformats.org/presentationml/2006/main">
+  <p:cSld>
+    <p:spTree>
+      <p:nvGrpSpPr>
+        <p:cNvPr id="1" name=""/>
+        <p:cNvGrpSpPr/>
+        <p:nvPr/>
+      </p:nvGrpSpPr>
+      <p:grpSpPr>
+        <a:xfrm>
+          <a:off x="0" y="0"/>
+          <a:ext cx="0" cy="0"/>
+          <a:chOff x="0" y="0"/>
+          <a:chExt cx="0" cy="0"/>
+        </a:xfrm>
+      </p:grpSpPr>
+      <p:sp>
+        <p:nvSpPr>
+          <p:cNvPr id="2" name="Slide Image Placeholder 1"/>
+          <p:cNvSpPr>
+            <a:spLocks noGrp="1" noRot="1" noChangeAspect="1"/>
+          </p:cNvSpPr>
+          <p:nvPr>
+            <p:ph type="sldImg"/>
+          </p:nvPr>
+        </p:nvSpPr>
+        <p:spPr/>
+      </p:sp>
+      <p:sp>
+        <p:nvSpPr>
+          <p:cNvPr id="3" name="Notes Placeholder 2"/>
+          <p:cNvSpPr>
+            <a:spLocks noGrp="1"/>
+          </p:cNvSpPr>
+          <p:nvPr>
+            <p:ph type="body" idx="1"/>
+          </p:nvPr>
+        </p:nvSpPr>
+        <p:spPr/>
+        <p:txBody>
+          <a:bodyPr/>
+          <a:lstStyle/>
+          <a:p>
+            <a:endParaRPr lang="en-US"/>
+          </a:p>
+        </p:txBody>
+      </p:sp>
+      <p:sp>
+        <p:nvSpPr>
+          <p:cNvPr id="4" name="Slide Number Placeholder 3"/>
+          <p:cNvSpPr>
+            <a:spLocks noGrp="1"/>
+          </p:cNvSpPr>
+          <p:nvPr>
+            <p:ph type="sldNum" sz="quarter" idx="5"/>
+          </p:nvPr>
+        </p:nvSpPr>
+        <p:spPr/>
+        <p:txBody>
+          <a:bodyPr/>
+          <a:lstStyle/>
+          <a:p>
+            <a:fld id="{98CDECF5-EA96-4DEB-B458-ED3A63297640}" type="slidenum">
+              <a:rPr lang="en-US" smtClean="0"/>
+              <a:t>15</a:t>
+            </a:fld>
+            <a:endParaRPr lang="en-US"/>
+          </a:p>
+        </p:txBody>
+      </p:sp>
+    </p:spTree>
+    <p:extLst>
+      <p:ext uri="{BB962C8B-B14F-4D97-AF65-F5344CB8AC3E}">
+        <p14:creationId xmlns:p14="http://schemas.microsoft.com/office/powerpoint/2010/main" val="38353908"/>
+      </p:ext>
+    </p:extLst>
+  </p:cSld>
+  <p:clrMapOvr>
+    <a:masterClrMapping/>
+  </p:clrMapOvr>
+</p:notes>
+</file>
+
+<file path=ppt/notesSlides/notesSlide15.xml><?xml version="1.0" encoding="utf-8"?>
+<p:notes xmlns:a="http://schemas.openxmlformats.org/drawingml/2006/main" xmlns:r="http://schemas.openxmlformats.org/officeDocument/2006/relationships" xmlns:p="http://schemas.openxmlformats.org/presentationml/2006/main">
+  <p:cSld>
+    <p:spTree>
+      <p:nvGrpSpPr>
+        <p:cNvPr id="1" name=""/>
+        <p:cNvGrpSpPr/>
+        <p:nvPr/>
+      </p:nvGrpSpPr>
+      <p:grpSpPr>
+        <a:xfrm>
+          <a:off x="0" y="0"/>
+          <a:ext cx="0" cy="0"/>
+          <a:chOff x="0" y="0"/>
+          <a:chExt cx="0" cy="0"/>
+        </a:xfrm>
+      </p:grpSpPr>
+      <p:sp>
+        <p:nvSpPr>
+          <p:cNvPr id="2" name="Slide Image Placeholder 1"/>
+          <p:cNvSpPr>
+            <a:spLocks noGrp="1" noRot="1" noChangeAspect="1"/>
+          </p:cNvSpPr>
+          <p:nvPr>
+            <p:ph type="sldImg"/>
+          </p:nvPr>
+        </p:nvSpPr>
+        <p:spPr/>
+      </p:sp>
+      <p:sp>
+        <p:nvSpPr>
+          <p:cNvPr id="3" name="Notes Placeholder 2"/>
+          <p:cNvSpPr>
+            <a:spLocks noGrp="1"/>
+          </p:cNvSpPr>
+          <p:nvPr>
+            <p:ph type="body" idx="1"/>
+          </p:nvPr>
+        </p:nvSpPr>
+        <p:spPr/>
+        <p:txBody>
+          <a:bodyPr/>
+          <a:lstStyle/>
+          <a:p>
+            <a:endParaRPr lang="en-US"/>
+          </a:p>
+        </p:txBody>
+      </p:sp>
+      <p:sp>
+        <p:nvSpPr>
+          <p:cNvPr id="4" name="Slide Number Placeholder 3"/>
+          <p:cNvSpPr>
+            <a:spLocks noGrp="1"/>
+          </p:cNvSpPr>
+          <p:nvPr>
+            <p:ph type="sldNum" sz="quarter" idx="5"/>
+          </p:nvPr>
+        </p:nvSpPr>
+        <p:spPr/>
+        <p:txBody>
+          <a:bodyPr/>
+          <a:lstStyle/>
+          <a:p>
+            <a:fld id="{98CDECF5-EA96-4DEB-B458-ED3A63297640}" type="slidenum">
+              <a:rPr lang="en-US" smtClean="0"/>
+              <a:t>16</a:t>
+            </a:fld>
+            <a:endParaRPr lang="en-US"/>
+          </a:p>
+        </p:txBody>
+      </p:sp>
+    </p:spTree>
+    <p:extLst>
+      <p:ext uri="{BB962C8B-B14F-4D97-AF65-F5344CB8AC3E}">
+        <p14:creationId xmlns:p14="http://schemas.microsoft.com/office/powerpoint/2010/main" val="2199365543"/>
+      </p:ext>
+    </p:extLst>
+  </p:cSld>
+  <p:clrMapOvr>
+    <a:masterClrMapping/>
+  </p:clrMapOvr>
+</p:notes>
+</file>
+
+<file path=ppt/notesSlides/notesSlide16.xml><?xml version="1.0" encoding="utf-8"?>
+<p:notes xmlns:a="http://schemas.openxmlformats.org/drawingml/2006/main" xmlns:r="http://schemas.openxmlformats.org/officeDocument/2006/relationships" xmlns:p="http://schemas.openxmlformats.org/presentationml/2006/main">
+  <p:cSld>
+    <p:spTree>
+      <p:nvGrpSpPr>
+        <p:cNvPr id="1" name=""/>
+        <p:cNvGrpSpPr/>
+        <p:nvPr/>
+      </p:nvGrpSpPr>
+      <p:grpSpPr>
+        <a:xfrm>
+          <a:off x="0" y="0"/>
+          <a:ext cx="0" cy="0"/>
+          <a:chOff x="0" y="0"/>
+          <a:chExt cx="0" cy="0"/>
+        </a:xfrm>
+      </p:grpSpPr>
+      <p:sp>
+        <p:nvSpPr>
+          <p:cNvPr id="2" name="Slide Image Placeholder 1"/>
+          <p:cNvSpPr>
+            <a:spLocks noGrp="1" noRot="1" noChangeAspect="1"/>
+          </p:cNvSpPr>
+          <p:nvPr>
+            <p:ph type="sldImg"/>
+          </p:nvPr>
+        </p:nvSpPr>
+        <p:spPr/>
+      </p:sp>
+      <p:sp>
+        <p:nvSpPr>
+          <p:cNvPr id="3" name="Notes Placeholder 2"/>
+          <p:cNvSpPr>
+            <a:spLocks noGrp="1"/>
+          </p:cNvSpPr>
+          <p:nvPr>
+            <p:ph type="body" idx="1"/>
+          </p:nvPr>
+        </p:nvSpPr>
+        <p:spPr/>
+        <p:txBody>
+          <a:bodyPr/>
+          <a:lstStyle/>
+          <a:p>
+            <a:endParaRPr lang="en-US"/>
+          </a:p>
+        </p:txBody>
+      </p:sp>
+      <p:sp>
+        <p:nvSpPr>
+          <p:cNvPr id="4" name="Slide Number Placeholder 3"/>
+          <p:cNvSpPr>
+            <a:spLocks noGrp="1"/>
+          </p:cNvSpPr>
+          <p:nvPr>
+            <p:ph type="sldNum" sz="quarter" idx="5"/>
+          </p:nvPr>
+        </p:nvSpPr>
+        <p:spPr/>
+        <p:txBody>
+          <a:bodyPr/>
+          <a:lstStyle/>
+          <a:p>
+            <a:fld id="{98CDECF5-EA96-4DEB-B458-ED3A63297640}" type="slidenum">
+              <a:rPr lang="en-US" smtClean="0"/>
+              <a:t>17</a:t>
+            </a:fld>
+            <a:endParaRPr lang="en-US"/>
+          </a:p>
+        </p:txBody>
+      </p:sp>
+    </p:spTree>
+    <p:extLst>
+      <p:ext uri="{BB962C8B-B14F-4D97-AF65-F5344CB8AC3E}">
+        <p14:creationId xmlns:p14="http://schemas.microsoft.com/office/powerpoint/2010/main" val="1175677254"/>
+      </p:ext>
+    </p:extLst>
+  </p:cSld>
+  <p:clrMapOvr>
+    <a:masterClrMapping/>
+  </p:clrMapOvr>
+</p:notes>
+</file>
+
+<file path=ppt/notesSlides/notesSlide17.xml><?xml version="1.0" encoding="utf-8"?>
+<p:notes xmlns:a="http://schemas.openxmlformats.org/drawingml/2006/main" xmlns:r="http://schemas.openxmlformats.org/officeDocument/2006/relationships" xmlns:p="http://schemas.openxmlformats.org/presentationml/2006/main">
+  <p:cSld>
+    <p:spTree>
+      <p:nvGrpSpPr>
+        <p:cNvPr id="1" name=""/>
+        <p:cNvGrpSpPr/>
+        <p:nvPr/>
+      </p:nvGrpSpPr>
+      <p:grpSpPr>
+        <a:xfrm>
+          <a:off x="0" y="0"/>
+          <a:ext cx="0" cy="0"/>
+          <a:chOff x="0" y="0"/>
+          <a:chExt cx="0" cy="0"/>
+        </a:xfrm>
+      </p:grpSpPr>
+      <p:sp>
+        <p:nvSpPr>
+          <p:cNvPr id="2" name="Slide Image Placeholder 1"/>
+          <p:cNvSpPr>
+            <a:spLocks noGrp="1" noRot="1" noChangeAspect="1"/>
+          </p:cNvSpPr>
+          <p:nvPr>
+            <p:ph type="sldImg"/>
+          </p:nvPr>
+        </p:nvSpPr>
+        <p:spPr/>
+      </p:sp>
+      <p:sp>
+        <p:nvSpPr>
+          <p:cNvPr id="3" name="Notes Placeholder 2"/>
+          <p:cNvSpPr>
+            <a:spLocks noGrp="1"/>
+          </p:cNvSpPr>
+          <p:nvPr>
+            <p:ph type="body" idx="1"/>
+          </p:nvPr>
+        </p:nvSpPr>
+        <p:spPr/>
+        <p:txBody>
+          <a:bodyPr/>
+          <a:lstStyle/>
+          <a:p>
+            <a:endParaRPr lang="en-US"/>
+          </a:p>
+        </p:txBody>
+      </p:sp>
+      <p:sp>
+        <p:nvSpPr>
+          <p:cNvPr id="4" name="Slide Number Placeholder 3"/>
+          <p:cNvSpPr>
+            <a:spLocks noGrp="1"/>
+          </p:cNvSpPr>
+          <p:nvPr>
+            <p:ph type="sldNum" sz="quarter" idx="5"/>
+          </p:nvPr>
+        </p:nvSpPr>
+        <p:spPr/>
+        <p:txBody>
+          <a:bodyPr/>
+          <a:lstStyle/>
+          <a:p>
+            <a:fld id="{98CDECF5-EA96-4DEB-B458-ED3A63297640}" type="slidenum">
+              <a:rPr lang="en-US" smtClean="0"/>
+              <a:t>18</a:t>
+            </a:fld>
+            <a:endParaRPr lang="en-US"/>
+          </a:p>
+        </p:txBody>
+      </p:sp>
+    </p:spTree>
+    <p:extLst>
+      <p:ext uri="{BB962C8B-B14F-4D97-AF65-F5344CB8AC3E}">
+        <p14:creationId xmlns:p14="http://schemas.microsoft.com/office/powerpoint/2010/main" val="1717432115"/>
+      </p:ext>
+    </p:extLst>
+  </p:cSld>
+  <p:clrMapOvr>
+    <a:masterClrMapping/>
+  </p:clrMapOvr>
+</p:notes>
+</file>
+
+<file path=ppt/notesSlides/notesSlide18.xml><?xml version="1.0" encoding="utf-8"?>
+<p:notes xmlns:a="http://schemas.openxmlformats.org/drawingml/2006/main" xmlns:r="http://schemas.openxmlformats.org/officeDocument/2006/relationships" xmlns:p="http://schemas.openxmlformats.org/presentationml/2006/main">
+  <p:cSld>
+    <p:spTree>
+      <p:nvGrpSpPr>
+        <p:cNvPr id="1" name=""/>
+        <p:cNvGrpSpPr/>
+        <p:nvPr/>
+      </p:nvGrpSpPr>
+      <p:grpSpPr>
+        <a:xfrm>
+          <a:off x="0" y="0"/>
+          <a:ext cx="0" cy="0"/>
+          <a:chOff x="0" y="0"/>
+          <a:chExt cx="0" cy="0"/>
+        </a:xfrm>
+      </p:grpSpPr>
+      <p:sp>
+        <p:nvSpPr>
+          <p:cNvPr id="2" name="Slide Image Placeholder 1"/>
+          <p:cNvSpPr>
+            <a:spLocks noGrp="1" noRot="1" noChangeAspect="1"/>
+          </p:cNvSpPr>
+          <p:nvPr>
+            <p:ph type="sldImg"/>
+          </p:nvPr>
+        </p:nvSpPr>
+        <p:spPr/>
+      </p:sp>
+      <p:sp>
+        <p:nvSpPr>
+          <p:cNvPr id="3" name="Notes Placeholder 2"/>
+          <p:cNvSpPr>
+            <a:spLocks noGrp="1"/>
+          </p:cNvSpPr>
+          <p:nvPr>
+            <p:ph type="body" idx="1"/>
+          </p:nvPr>
+        </p:nvSpPr>
+        <p:spPr/>
+        <p:txBody>
+          <a:bodyPr/>
+          <a:lstStyle/>
+          <a:p>
+            <a:r>
+              <a:rPr lang="en-US" sz="1200" b="0" i="0" kern="1200" dirty="0">
+                <a:solidFill>
+                  <a:schemeClr val="tx1"/>
+                </a:solidFill>
+                <a:effectLst/>
+                <a:latin typeface="+mn-lt"/>
+                <a:ea typeface="+mn-ea"/>
+                <a:cs typeface="+mn-cs"/>
+              </a:rPr>
+              <a:t>The ISO 9126-1 software quality model identifies 6 main quality characteristics, namely:</a:t>
+            </a:r>
+            <a:endParaRPr lang="en-US" b="0" dirty="0"/>
+          </a:p>
+        </p:txBody>
+      </p:sp>
+      <p:sp>
+        <p:nvSpPr>
+          <p:cNvPr id="4" name="Slide Number Placeholder 3"/>
+          <p:cNvSpPr>
+            <a:spLocks noGrp="1"/>
+          </p:cNvSpPr>
+          <p:nvPr>
+            <p:ph type="sldNum" sz="quarter" idx="5"/>
+          </p:nvPr>
+        </p:nvSpPr>
+        <p:spPr/>
+        <p:txBody>
+          <a:bodyPr/>
+          <a:lstStyle/>
+          <a:p>
+            <a:fld id="{98CDECF5-EA96-4DEB-B458-ED3A63297640}" type="slidenum">
+              <a:rPr lang="en-US" smtClean="0"/>
+              <a:t>19</a:t>
+            </a:fld>
+            <a:endParaRPr lang="en-US"/>
+          </a:p>
+        </p:txBody>
+      </p:sp>
+    </p:spTree>
+    <p:extLst>
+      <p:ext uri="{BB962C8B-B14F-4D97-AF65-F5344CB8AC3E}">
+        <p14:creationId xmlns:p14="http://schemas.microsoft.com/office/powerpoint/2010/main" val="4261499027"/>
+      </p:ext>
+    </p:extLst>
+  </p:cSld>
+  <p:clrMapOvr>
+    <a:masterClrMapping/>
+  </p:clrMapOvr>
+</p:notes>
+</file>
+
+<file path=ppt/notesSlides/notesSlide19.xml><?xml version="1.0" encoding="utf-8"?>
+<p:notes xmlns:a="http://schemas.openxmlformats.org/drawingml/2006/main" xmlns:r="http://schemas.openxmlformats.org/officeDocument/2006/relationships" xmlns:p="http://schemas.openxmlformats.org/presentationml/2006/main">
+  <p:cSld>
+    <p:spTree>
+      <p:nvGrpSpPr>
+        <p:cNvPr id="1" name=""/>
+        <p:cNvGrpSpPr/>
+        <p:nvPr/>
+      </p:nvGrpSpPr>
+      <p:grpSpPr>
+        <a:xfrm>
+          <a:off x="0" y="0"/>
+          <a:ext cx="0" cy="0"/>
+          <a:chOff x="0" y="0"/>
+          <a:chExt cx="0" cy="0"/>
+        </a:xfrm>
+      </p:grpSpPr>
+      <p:sp>
+        <p:nvSpPr>
+          <p:cNvPr id="2" name="Slide Image Placeholder 1"/>
+          <p:cNvSpPr>
+            <a:spLocks noGrp="1" noRot="1" noChangeAspect="1"/>
+          </p:cNvSpPr>
+          <p:nvPr>
+            <p:ph type="sldImg"/>
+          </p:nvPr>
+        </p:nvSpPr>
+        <p:spPr/>
+      </p:sp>
+      <p:sp>
+        <p:nvSpPr>
+          <p:cNvPr id="3" name="Notes Placeholder 2"/>
+          <p:cNvSpPr>
+            <a:spLocks noGrp="1"/>
+          </p:cNvSpPr>
+          <p:nvPr>
+            <p:ph type="body" idx="1"/>
+          </p:nvPr>
+        </p:nvSpPr>
+        <p:spPr>
+          <a:xfrm>
+            <a:off x="685800" y="4440307"/>
+            <a:ext cx="5486400" cy="3600450"/>
+          </a:xfrm>
+        </p:spPr>
+        <p:txBody>
+          <a:bodyPr/>
+          <a:lstStyle/>
+          <a:p>
+            <a:r>
+              <a:rPr lang="en-US" dirty="0"/>
+              <a:t>To achieve high availability, which is considered five nines, or 99.999% availability, your software system can only be down for 5 minutes and 15 seconds or less during the course of a whole year!</a:t>
+            </a:r>
+          </a:p>
+        </p:txBody>
+      </p:sp>
+      <p:sp>
+        <p:nvSpPr>
+          <p:cNvPr id="4" name="Slide Number Placeholder 3"/>
+          <p:cNvSpPr>
+            <a:spLocks noGrp="1"/>
+          </p:cNvSpPr>
+          <p:nvPr>
+            <p:ph type="sldNum" sz="quarter" idx="5"/>
+          </p:nvPr>
+        </p:nvSpPr>
+        <p:spPr/>
+        <p:txBody>
+          <a:bodyPr/>
+          <a:lstStyle/>
+          <a:p>
+            <a:fld id="{98CDECF5-EA96-4DEB-B458-ED3A63297640}" type="slidenum">
+              <a:rPr lang="en-US" smtClean="0"/>
+              <a:t>20</a:t>
+            </a:fld>
+            <a:endParaRPr lang="en-US"/>
+          </a:p>
+        </p:txBody>
+      </p:sp>
+    </p:spTree>
+    <p:extLst>
+      <p:ext uri="{BB962C8B-B14F-4D97-AF65-F5344CB8AC3E}">
+        <p14:creationId xmlns:p14="http://schemas.microsoft.com/office/powerpoint/2010/main" val="1540691715"/>
+      </p:ext>
+    </p:extLst>
+  </p:cSld>
+  <p:clrMapOvr>
+    <a:masterClrMapping/>
+  </p:clrMapOvr>
+</p:notes>
+</file>
+
+<file path=ppt/notesSlides/notesSlide2.xml><?xml version="1.0" encoding="utf-8"?>
+<p:notes xmlns:a="http://schemas.openxmlformats.org/drawingml/2006/main" xmlns:r="http://schemas.openxmlformats.org/officeDocument/2006/relationships" xmlns:p="http://schemas.openxmlformats.org/presentationml/2006/main">
+  <p:cSld>
+    <p:spTree>
+      <p:nvGrpSpPr>
+        <p:cNvPr id="1" name=""/>
+        <p:cNvGrpSpPr/>
+        <p:nvPr/>
+      </p:nvGrpSpPr>
+      <p:grpSpPr>
+        <a:xfrm>
+          <a:off x="0" y="0"/>
+          <a:ext cx="0" cy="0"/>
+          <a:chOff x="0" y="0"/>
+          <a:chExt cx="0" cy="0"/>
+        </a:xfrm>
+      </p:grpSpPr>
+      <p:sp>
+        <p:nvSpPr>
+          <p:cNvPr id="2" name="Slide Image Placeholder 1"/>
+          <p:cNvSpPr>
+            <a:spLocks noGrp="1" noRot="1" noChangeAspect="1"/>
+          </p:cNvSpPr>
+          <p:nvPr>
+            <p:ph type="sldImg"/>
+          </p:nvPr>
+        </p:nvSpPr>
+        <p:spPr/>
+      </p:sp>
+      <p:sp>
+        <p:nvSpPr>
+          <p:cNvPr id="3" name="Notes Placeholder 2"/>
+          <p:cNvSpPr>
+            <a:spLocks noGrp="1"/>
+          </p:cNvSpPr>
+          <p:nvPr>
+            <p:ph type="body" idx="1"/>
+          </p:nvPr>
+        </p:nvSpPr>
+        <p:spPr/>
+        <p:txBody>
+          <a:bodyPr/>
+          <a:lstStyle/>
+          <a:p>
+            <a:r>
+              <a:rPr lang="en-US" sz="1200" b="0" i="0" kern="1200" dirty="0">
+                <a:solidFill>
+                  <a:schemeClr val="tx1"/>
+                </a:solidFill>
+                <a:effectLst/>
+                <a:latin typeface="+mn-lt"/>
+                <a:ea typeface="+mn-ea"/>
+                <a:cs typeface="+mn-cs"/>
+              </a:rPr>
+              <a:t>Professionalism is certainly a badge of honor but it's also a marker of accountability and responsibility. The two go hand in hand obviously. </a:t>
+            </a:r>
+          </a:p>
+          <a:p>
+            <a:r>
+              <a:rPr lang="en-US" sz="1200" b="0" i="0" kern="1200" dirty="0">
+                <a:solidFill>
+                  <a:schemeClr val="tx1"/>
+                </a:solidFill>
+                <a:effectLst/>
+                <a:latin typeface="+mn-lt"/>
+                <a:ea typeface="+mn-ea"/>
+                <a:cs typeface="+mn-cs"/>
+              </a:rPr>
+              <a:t>You can't take pride and honor in something that you can't be held accountable for. </a:t>
+            </a:r>
+          </a:p>
+          <a:p>
+            <a:r>
+              <a:rPr lang="en-US" sz="1200" b="0" i="0" kern="1200" dirty="0">
+                <a:solidFill>
+                  <a:schemeClr val="tx1"/>
+                </a:solidFill>
+                <a:effectLst/>
+                <a:latin typeface="+mn-lt"/>
+                <a:ea typeface="+mn-ea"/>
+                <a:cs typeface="+mn-cs"/>
+              </a:rPr>
+              <a:t>It's a lot easier being a non-professional. Non-professionals don't have to take responsibility for anything. If a non-professional makes a mess, well, their employer cleans it up. </a:t>
+            </a:r>
+          </a:p>
+          <a:p>
+            <a:r>
+              <a:rPr lang="en-US" sz="1200" b="0" i="0" kern="1200" dirty="0">
+                <a:solidFill>
+                  <a:schemeClr val="tx1"/>
+                </a:solidFill>
+                <a:effectLst/>
+                <a:latin typeface="+mn-lt"/>
+                <a:ea typeface="+mn-ea"/>
+                <a:cs typeface="+mn-cs"/>
+              </a:rPr>
+              <a:t>But when a professional makes a mess, the professional cleans it up. What would happen if you allowed a bug into production that cost your employer $10,000? The non-professional would just shrug it off and say, "Oh, sorry, stuff happens". But when you're a professional, you get out your checkbook and you right a check for $10,000. Yeah, it feels a little different when it's your own money on the line, doesn't it? But that's the feeling a professional has all the time. Because you see, being a professional is about taking responsibility.</a:t>
+            </a:r>
+            <a:endParaRPr lang="en-US" dirty="0"/>
+          </a:p>
+        </p:txBody>
+      </p:sp>
+      <p:sp>
+        <p:nvSpPr>
+          <p:cNvPr id="4" name="Slide Number Placeholder 3"/>
+          <p:cNvSpPr>
+            <a:spLocks noGrp="1"/>
+          </p:cNvSpPr>
+          <p:nvPr>
+            <p:ph type="sldNum" sz="quarter" idx="5"/>
+          </p:nvPr>
+        </p:nvSpPr>
+        <p:spPr/>
+        <p:txBody>
+          <a:bodyPr/>
+          <a:lstStyle/>
+          <a:p>
+            <a:fld id="{98CDECF5-EA96-4DEB-B458-ED3A63297640}" type="slidenum">
+              <a:rPr lang="en-US" smtClean="0"/>
+              <a:t>3</a:t>
+            </a:fld>
+            <a:endParaRPr lang="en-US"/>
+          </a:p>
+        </p:txBody>
+      </p:sp>
+    </p:spTree>
+    <p:extLst>
+      <p:ext uri="{BB962C8B-B14F-4D97-AF65-F5344CB8AC3E}">
+        <p14:creationId xmlns:p14="http://schemas.microsoft.com/office/powerpoint/2010/main" val="806870968"/>
+      </p:ext>
+    </p:extLst>
+  </p:cSld>
+  <p:clrMapOvr>
+    <a:masterClrMapping/>
+  </p:clrMapOvr>
+</p:notes>
+</file>
+
+<file path=ppt/notesSlides/notesSlide20.xml><?xml version="1.0" encoding="utf-8"?>
+<p:notes xmlns:a="http://schemas.openxmlformats.org/drawingml/2006/main" xmlns:r="http://schemas.openxmlformats.org/officeDocument/2006/relationships" xmlns:p="http://schemas.openxmlformats.org/presentationml/2006/main">
+  <p:cSld>
+    <p:spTree>
+      <p:nvGrpSpPr>
+        <p:cNvPr id="1" name=""/>
+        <p:cNvGrpSpPr/>
+        <p:nvPr/>
+      </p:nvGrpSpPr>
+      <p:grpSpPr>
+        <a:xfrm>
+          <a:off x="0" y="0"/>
+          <a:ext cx="0" cy="0"/>
+          <a:chOff x="0" y="0"/>
+          <a:chExt cx="0" cy="0"/>
+        </a:xfrm>
+      </p:grpSpPr>
+      <p:sp>
+        <p:nvSpPr>
+          <p:cNvPr id="2" name="Slide Image Placeholder 1"/>
+          <p:cNvSpPr>
+            <a:spLocks noGrp="1" noRot="1" noChangeAspect="1"/>
+          </p:cNvSpPr>
+          <p:nvPr>
+            <p:ph type="sldImg"/>
+          </p:nvPr>
+        </p:nvSpPr>
+        <p:spPr/>
+      </p:sp>
+      <p:sp>
+        <p:nvSpPr>
+          <p:cNvPr id="3" name="Notes Placeholder 2"/>
+          <p:cNvSpPr>
+            <a:spLocks noGrp="1"/>
+          </p:cNvSpPr>
+          <p:nvPr>
+            <p:ph type="body" idx="1"/>
+          </p:nvPr>
+        </p:nvSpPr>
+        <p:spPr/>
+        <p:txBody>
+          <a:bodyPr/>
+          <a:lstStyle/>
+          <a:p>
+            <a:endParaRPr lang="en-US"/>
+          </a:p>
+        </p:txBody>
+      </p:sp>
+      <p:sp>
+        <p:nvSpPr>
+          <p:cNvPr id="4" name="Slide Number Placeholder 3"/>
+          <p:cNvSpPr>
+            <a:spLocks noGrp="1"/>
+          </p:cNvSpPr>
+          <p:nvPr>
+            <p:ph type="sldNum" sz="quarter" idx="5"/>
+          </p:nvPr>
+        </p:nvSpPr>
+        <p:spPr/>
+        <p:txBody>
+          <a:bodyPr/>
+          <a:lstStyle/>
+          <a:p>
+            <a:fld id="{98CDECF5-EA96-4DEB-B458-ED3A63297640}" type="slidenum">
+              <a:rPr lang="en-US" smtClean="0"/>
+              <a:t>21</a:t>
+            </a:fld>
+            <a:endParaRPr lang="en-US"/>
+          </a:p>
+        </p:txBody>
+      </p:sp>
+    </p:spTree>
+    <p:extLst>
+      <p:ext uri="{BB962C8B-B14F-4D97-AF65-F5344CB8AC3E}">
+        <p14:creationId xmlns:p14="http://schemas.microsoft.com/office/powerpoint/2010/main" val="1645232517"/>
+      </p:ext>
+    </p:extLst>
+  </p:cSld>
+  <p:clrMapOvr>
+    <a:masterClrMapping/>
+  </p:clrMapOvr>
+</p:notes>
+</file>
+
+<file path=ppt/notesSlides/notesSlide21.xml><?xml version="1.0" encoding="utf-8"?>
+<p:notes xmlns:a="http://schemas.openxmlformats.org/drawingml/2006/main" xmlns:r="http://schemas.openxmlformats.org/officeDocument/2006/relationships" xmlns:p="http://schemas.openxmlformats.org/presentationml/2006/main">
+  <p:cSld>
+    <p:spTree>
+      <p:nvGrpSpPr>
+        <p:cNvPr id="1" name=""/>
+        <p:cNvGrpSpPr/>
+        <p:nvPr/>
+      </p:nvGrpSpPr>
+      <p:grpSpPr>
+        <a:xfrm>
+          <a:off x="0" y="0"/>
+          <a:ext cx="0" cy="0"/>
+          <a:chOff x="0" y="0"/>
+          <a:chExt cx="0" cy="0"/>
+        </a:xfrm>
+      </p:grpSpPr>
+      <p:sp>
+        <p:nvSpPr>
+          <p:cNvPr id="2" name="Slide Image Placeholder 1"/>
+          <p:cNvSpPr>
+            <a:spLocks noGrp="1" noRot="1" noChangeAspect="1"/>
+          </p:cNvSpPr>
+          <p:nvPr>
+            <p:ph type="sldImg"/>
+          </p:nvPr>
+        </p:nvSpPr>
+        <p:spPr/>
+      </p:sp>
+      <p:sp>
+        <p:nvSpPr>
+          <p:cNvPr id="3" name="Notes Placeholder 2"/>
+          <p:cNvSpPr>
+            <a:spLocks noGrp="1"/>
+          </p:cNvSpPr>
+          <p:nvPr>
+            <p:ph type="body" idx="1"/>
+          </p:nvPr>
+        </p:nvSpPr>
+        <p:spPr/>
+        <p:txBody>
+          <a:bodyPr/>
+          <a:lstStyle/>
+          <a:p>
+            <a:endParaRPr lang="en-US"/>
+          </a:p>
+        </p:txBody>
+      </p:sp>
+      <p:sp>
+        <p:nvSpPr>
+          <p:cNvPr id="4" name="Slide Number Placeholder 3"/>
+          <p:cNvSpPr>
+            <a:spLocks noGrp="1"/>
+          </p:cNvSpPr>
+          <p:nvPr>
+            <p:ph type="sldNum" sz="quarter" idx="5"/>
+          </p:nvPr>
+        </p:nvSpPr>
+        <p:spPr/>
+        <p:txBody>
+          <a:bodyPr/>
+          <a:lstStyle/>
+          <a:p>
+            <a:fld id="{98CDECF5-EA96-4DEB-B458-ED3A63297640}" type="slidenum">
+              <a:rPr lang="en-US" smtClean="0"/>
+              <a:t>22</a:t>
+            </a:fld>
+            <a:endParaRPr lang="en-US"/>
+          </a:p>
+        </p:txBody>
+      </p:sp>
+    </p:spTree>
+    <p:extLst>
+      <p:ext uri="{BB962C8B-B14F-4D97-AF65-F5344CB8AC3E}">
+        <p14:creationId xmlns:p14="http://schemas.microsoft.com/office/powerpoint/2010/main" val="2771646756"/>
+      </p:ext>
+    </p:extLst>
+  </p:cSld>
+  <p:clrMapOvr>
+    <a:masterClrMapping/>
+  </p:clrMapOvr>
+</p:notes>
+</file>
+
+<file path=ppt/notesSlides/notesSlide22.xml><?xml version="1.0" encoding="utf-8"?>
+<p:notes xmlns:a="http://schemas.openxmlformats.org/drawingml/2006/main" xmlns:r="http://schemas.openxmlformats.org/officeDocument/2006/relationships" xmlns:p="http://schemas.openxmlformats.org/presentationml/2006/main">
+  <p:cSld>
+    <p:spTree>
+      <p:nvGrpSpPr>
+        <p:cNvPr id="1" name=""/>
+        <p:cNvGrpSpPr/>
+        <p:nvPr/>
+      </p:nvGrpSpPr>
+      <p:grpSpPr>
+        <a:xfrm>
+          <a:off x="0" y="0"/>
+          <a:ext cx="0" cy="0"/>
+          <a:chOff x="0" y="0"/>
+          <a:chExt cx="0" cy="0"/>
+        </a:xfrm>
+      </p:grpSpPr>
+      <p:sp>
+        <p:nvSpPr>
+          <p:cNvPr id="2" name="Slide Image Placeholder 1"/>
+          <p:cNvSpPr>
+            <a:spLocks noGrp="1" noRot="1" noChangeAspect="1"/>
+          </p:cNvSpPr>
+          <p:nvPr>
+            <p:ph type="sldImg"/>
+          </p:nvPr>
+        </p:nvSpPr>
+        <p:spPr/>
+      </p:sp>
+      <p:sp>
+        <p:nvSpPr>
+          <p:cNvPr id="3" name="Notes Placeholder 2"/>
+          <p:cNvSpPr>
+            <a:spLocks noGrp="1"/>
+          </p:cNvSpPr>
+          <p:nvPr>
+            <p:ph type="body" idx="1"/>
+          </p:nvPr>
+        </p:nvSpPr>
+        <p:spPr/>
+        <p:txBody>
+          <a:bodyPr/>
+          <a:lstStyle/>
+          <a:p>
+            <a:endParaRPr lang="en-US"/>
+          </a:p>
+        </p:txBody>
+      </p:sp>
+      <p:sp>
+        <p:nvSpPr>
+          <p:cNvPr id="4" name="Slide Number Placeholder 3"/>
+          <p:cNvSpPr>
+            <a:spLocks noGrp="1"/>
+          </p:cNvSpPr>
+          <p:nvPr>
+            <p:ph type="sldNum" sz="quarter" idx="5"/>
+          </p:nvPr>
+        </p:nvSpPr>
+        <p:spPr/>
+        <p:txBody>
+          <a:bodyPr/>
+          <a:lstStyle/>
+          <a:p>
+            <a:fld id="{98CDECF5-EA96-4DEB-B458-ED3A63297640}" type="slidenum">
+              <a:rPr lang="en-US" smtClean="0"/>
+              <a:t>23</a:t>
+            </a:fld>
+            <a:endParaRPr lang="en-US"/>
+          </a:p>
+        </p:txBody>
+      </p:sp>
+    </p:spTree>
+    <p:extLst>
+      <p:ext uri="{BB962C8B-B14F-4D97-AF65-F5344CB8AC3E}">
+        <p14:creationId xmlns:p14="http://schemas.microsoft.com/office/powerpoint/2010/main" val="1938688816"/>
+      </p:ext>
+    </p:extLst>
+  </p:cSld>
+  <p:clrMapOvr>
+    <a:masterClrMapping/>
+  </p:clrMapOvr>
+</p:notes>
+</file>
+
+<file path=ppt/notesSlides/notesSlide23.xml><?xml version="1.0" encoding="utf-8"?>
+<p:notes xmlns:a="http://schemas.openxmlformats.org/drawingml/2006/main" xmlns:r="http://schemas.openxmlformats.org/officeDocument/2006/relationships" xmlns:p="http://schemas.openxmlformats.org/presentationml/2006/main">
+  <p:cSld>
+    <p:spTree>
+      <p:nvGrpSpPr>
+        <p:cNvPr id="1" name=""/>
+        <p:cNvGrpSpPr/>
+        <p:nvPr/>
+      </p:nvGrpSpPr>
+      <p:grpSpPr>
+        <a:xfrm>
+          <a:off x="0" y="0"/>
+          <a:ext cx="0" cy="0"/>
+          <a:chOff x="0" y="0"/>
+          <a:chExt cx="0" cy="0"/>
+        </a:xfrm>
+      </p:grpSpPr>
+      <p:sp>
+        <p:nvSpPr>
+          <p:cNvPr id="2" name="Slide Image Placeholder 1"/>
+          <p:cNvSpPr>
+            <a:spLocks noGrp="1" noRot="1" noChangeAspect="1"/>
+          </p:cNvSpPr>
+          <p:nvPr>
+            <p:ph type="sldImg"/>
+          </p:nvPr>
+        </p:nvSpPr>
+        <p:spPr/>
+      </p:sp>
+      <p:sp>
+        <p:nvSpPr>
+          <p:cNvPr id="3" name="Notes Placeholder 2"/>
+          <p:cNvSpPr>
+            <a:spLocks noGrp="1"/>
+          </p:cNvSpPr>
+          <p:nvPr>
+            <p:ph type="body" idx="1"/>
+          </p:nvPr>
+        </p:nvSpPr>
+        <p:spPr/>
+        <p:txBody>
+          <a:bodyPr/>
+          <a:lstStyle/>
+          <a:p>
+            <a:endParaRPr lang="en-US"/>
+          </a:p>
+        </p:txBody>
+      </p:sp>
+      <p:sp>
+        <p:nvSpPr>
+          <p:cNvPr id="4" name="Slide Number Placeholder 3"/>
+          <p:cNvSpPr>
+            <a:spLocks noGrp="1"/>
+          </p:cNvSpPr>
+          <p:nvPr>
+            <p:ph type="sldNum" sz="quarter" idx="5"/>
+          </p:nvPr>
+        </p:nvSpPr>
+        <p:spPr/>
+        <p:txBody>
+          <a:bodyPr/>
+          <a:lstStyle/>
+          <a:p>
+            <a:fld id="{98CDECF5-EA96-4DEB-B458-ED3A63297640}" type="slidenum">
+              <a:rPr lang="en-US" smtClean="0"/>
+              <a:t>24</a:t>
+            </a:fld>
+            <a:endParaRPr lang="en-US"/>
+          </a:p>
+        </p:txBody>
+      </p:sp>
+    </p:spTree>
+    <p:extLst>
+      <p:ext uri="{BB962C8B-B14F-4D97-AF65-F5344CB8AC3E}">
+        <p14:creationId xmlns:p14="http://schemas.microsoft.com/office/powerpoint/2010/main" val="2603774127"/>
+      </p:ext>
+    </p:extLst>
+  </p:cSld>
+  <p:clrMapOvr>
+    <a:masterClrMapping/>
+  </p:clrMapOvr>
+</p:notes>
+</file>
+
+<file path=ppt/notesSlides/notesSlide24.xml><?xml version="1.0" encoding="utf-8"?>
+<p:notes xmlns:a="http://schemas.openxmlformats.org/drawingml/2006/main" xmlns:r="http://schemas.openxmlformats.org/officeDocument/2006/relationships" xmlns:p="http://schemas.openxmlformats.org/presentationml/2006/main">
+  <p:cSld>
+    <p:spTree>
+      <p:nvGrpSpPr>
+        <p:cNvPr id="1" name=""/>
+        <p:cNvGrpSpPr/>
+        <p:nvPr/>
+      </p:nvGrpSpPr>
+      <p:grpSpPr>
+        <a:xfrm>
+          <a:off x="0" y="0"/>
+          <a:ext cx="0" cy="0"/>
+          <a:chOff x="0" y="0"/>
+          <a:chExt cx="0" cy="0"/>
+        </a:xfrm>
+      </p:grpSpPr>
+      <p:sp>
+        <p:nvSpPr>
+          <p:cNvPr id="2" name="Slide Image Placeholder 1"/>
+          <p:cNvSpPr>
+            <a:spLocks noGrp="1" noRot="1" noChangeAspect="1"/>
+          </p:cNvSpPr>
+          <p:nvPr>
+            <p:ph type="sldImg"/>
+          </p:nvPr>
+        </p:nvSpPr>
+        <p:spPr/>
+      </p:sp>
+      <p:sp>
+        <p:nvSpPr>
+          <p:cNvPr id="3" name="Notes Placeholder 2"/>
+          <p:cNvSpPr>
+            <a:spLocks noGrp="1"/>
+          </p:cNvSpPr>
+          <p:nvPr>
+            <p:ph type="body" idx="1"/>
+          </p:nvPr>
+        </p:nvSpPr>
+        <p:spPr/>
+        <p:txBody>
+          <a:bodyPr/>
+          <a:lstStyle/>
+          <a:p>
+            <a:endParaRPr lang="en-US"/>
+          </a:p>
+        </p:txBody>
+      </p:sp>
+      <p:sp>
+        <p:nvSpPr>
+          <p:cNvPr id="4" name="Slide Number Placeholder 3"/>
+          <p:cNvSpPr>
+            <a:spLocks noGrp="1"/>
+          </p:cNvSpPr>
+          <p:nvPr>
+            <p:ph type="sldNum" sz="quarter" idx="5"/>
+          </p:nvPr>
+        </p:nvSpPr>
+        <p:spPr/>
+        <p:txBody>
+          <a:bodyPr/>
+          <a:lstStyle/>
+          <a:p>
+            <a:fld id="{98CDECF5-EA96-4DEB-B458-ED3A63297640}" type="slidenum">
+              <a:rPr lang="en-US" smtClean="0"/>
+              <a:t>25</a:t>
+            </a:fld>
+            <a:endParaRPr lang="en-US"/>
+          </a:p>
+        </p:txBody>
+      </p:sp>
+    </p:spTree>
+    <p:extLst>
+      <p:ext uri="{BB962C8B-B14F-4D97-AF65-F5344CB8AC3E}">
+        <p14:creationId xmlns:p14="http://schemas.microsoft.com/office/powerpoint/2010/main" val="2604809517"/>
+      </p:ext>
+    </p:extLst>
+  </p:cSld>
+  <p:clrMapOvr>
+    <a:masterClrMapping/>
+  </p:clrMapOvr>
+</p:notes>
+</file>
+
+<file path=ppt/notesSlides/notesSlide25.xml><?xml version="1.0" encoding="utf-8"?>
+<p:notes xmlns:a="http://schemas.openxmlformats.org/drawingml/2006/main" xmlns:r="http://schemas.openxmlformats.org/officeDocument/2006/relationships" xmlns:p="http://schemas.openxmlformats.org/presentationml/2006/main">
+  <p:cSld>
+    <p:spTree>
+      <p:nvGrpSpPr>
+        <p:cNvPr id="1" name=""/>
+        <p:cNvGrpSpPr/>
+        <p:nvPr/>
+      </p:nvGrpSpPr>
+      <p:grpSpPr>
+        <a:xfrm>
+          <a:off x="0" y="0"/>
+          <a:ext cx="0" cy="0"/>
+          <a:chOff x="0" y="0"/>
+          <a:chExt cx="0" cy="0"/>
+        </a:xfrm>
+      </p:grpSpPr>
+      <p:sp>
+        <p:nvSpPr>
+          <p:cNvPr id="2" name="Slide Image Placeholder 1"/>
+          <p:cNvSpPr>
+            <a:spLocks noGrp="1" noRot="1" noChangeAspect="1"/>
+          </p:cNvSpPr>
+          <p:nvPr>
+            <p:ph type="sldImg"/>
+          </p:nvPr>
+        </p:nvSpPr>
+        <p:spPr>
+          <a:xfrm>
+            <a:off x="685800" y="527050"/>
+            <a:ext cx="5486400" cy="3086100"/>
+          </a:xfrm>
+        </p:spPr>
+      </p:sp>
+      <p:sp>
+        <p:nvSpPr>
+          <p:cNvPr id="3" name="Notes Placeholder 2"/>
+          <p:cNvSpPr>
+            <a:spLocks noGrp="1"/>
+          </p:cNvSpPr>
+          <p:nvPr>
+            <p:ph type="body" idx="1"/>
+          </p:nvPr>
+        </p:nvSpPr>
+        <p:spPr>
+          <a:xfrm>
+            <a:off x="685800" y="3730626"/>
+            <a:ext cx="5486400" cy="3600450"/>
+          </a:xfrm>
+        </p:spPr>
         <p:txBody>
           <a:bodyPr/>
           <a:lstStyle/>
@@ -25526,7 +27160,7 @@
 </p:notes>
 </file>
 
-<file path=ppt/notesSlides/notesSlide12.xml><?xml version="1.0" encoding="utf-8"?>
+<file path=ppt/notesSlides/notesSlide26.xml><?xml version="1.0" encoding="utf-8"?>
 <p:notes xmlns:a="http://schemas.openxmlformats.org/drawingml/2006/main" xmlns:r="http://schemas.openxmlformats.org/officeDocument/2006/relationships" xmlns:p="http://schemas.openxmlformats.org/presentationml/2006/main">
   <p:cSld>
     <p:spTree>
@@ -25740,7 +27374,7 @@
 </p:notes>
 </file>
 
-<file path=ppt/notesSlides/notesSlide2.xml><?xml version="1.0" encoding="utf-8"?>
+<file path=ppt/notesSlides/notesSlide27.xml><?xml version="1.0" encoding="utf-8"?>
 <p:notes xmlns:a="http://schemas.openxmlformats.org/drawingml/2006/main" xmlns:r="http://schemas.openxmlformats.org/officeDocument/2006/relationships" xmlns:p="http://schemas.openxmlformats.org/presentationml/2006/main">
   <p:cSld>
     <p:spTree>
@@ -25784,19 +27418,7 @@
           <a:bodyPr/>
           <a:lstStyle/>
           <a:p>
-            <a:r>
-              <a:rPr lang="en-US" sz="1200" b="0" i="0" kern="1200" dirty="0">
-                <a:solidFill>
-                  <a:schemeClr val="tx1"/>
-                </a:solidFill>
-                <a:effectLst/>
-                <a:latin typeface="+mn-lt"/>
-                <a:ea typeface="+mn-ea"/>
-                <a:cs typeface="+mn-cs"/>
-              </a:rPr>
-              <a:t>Professionalism is certainly a badge of honor but it's also a marker of accountability and responsibility. The two go hand in hand obviously. You can't take pride and honor in something that you can't be held accountable for. It's a lot easier being a non-professional. Non-professionals don't have to take responsibility for anything. If a non-professional makes a mess, well, their employer cleans it up. But when a professional makes a mess, the professional cleans it up. What would happen if you allowed a bug into production that cost your employer $10,000? The non-professional would just shrug it off and say, "Oh, sorry, stuff happens". But when you're a professional, you get out your checkbook and you right a check for $10,000. Yeah, it feels a little different when it's your own money on the line, doesn't it? But that's the feeling a professional has all the time. Because you see, being a professional is about taking responsibility.</a:t>
-            </a:r>
-            <a:endParaRPr lang="en-US" dirty="0"/>
+            <a:endParaRPr lang="en-US"/>
           </a:p>
         </p:txBody>
       </p:sp>
@@ -25817,7 +27439,7 @@
           <a:p>
             <a:fld id="{98CDECF5-EA96-4DEB-B458-ED3A63297640}" type="slidenum">
               <a:rPr lang="en-US" smtClean="0"/>
-              <a:t>3</a:t>
+              <a:t>28</a:t>
             </a:fld>
             <a:endParaRPr lang="en-US"/>
           </a:p>
@@ -25826,7 +27448,7 @@
     </p:spTree>
     <p:extLst>
       <p:ext uri="{BB962C8B-B14F-4D97-AF65-F5344CB8AC3E}">
-        <p14:creationId xmlns:p14="http://schemas.microsoft.com/office/powerpoint/2010/main" val="806870968"/>
+        <p14:creationId xmlns:p14="http://schemas.microsoft.com/office/powerpoint/2010/main" val="3281616452"/>
       </p:ext>
     </p:extLst>
   </p:cSld>
@@ -26006,7 +27628,31 @@
                 <a:ea typeface="+mn-ea"/>
                 <a:cs typeface="+mn-cs"/>
               </a:rPr>
-              <a:t>The larger the mess, the less the certainty. Take the Toyota case, for example. Why didn't those developers know that their code could kill people? Do you think the fact that they had 10,000 global variables might have been a factor? Making a mess in the software undermines your ability to know what the code is going to do and, therefore, it undermines your ability to avoid harm. - Messy software is harmful software.</a:t>
+              <a:t>The larger the mess, the less the certainty. Take the Toyota case, for example. Why didn't those developers know that their code could kill people? Do you think the fact that they had 10,000 global variables might have been a factor? Making a mess in the software undermines your ability to know what the code is going to do and, therefore, it undermines your ability to avoid harm. - </a:t>
+            </a:r>
+            <a:r>
+              <a:rPr lang="en-US" sz="1200" b="1" i="0" kern="1200" dirty="0">
+                <a:solidFill>
+                  <a:schemeClr val="tx1"/>
+                </a:solidFill>
+                <a:effectLst/>
+                <a:latin typeface="+mn-lt"/>
+                <a:ea typeface="+mn-ea"/>
+                <a:cs typeface="+mn-cs"/>
+              </a:rPr>
+              <a:t>Messy software is harmful software</a:t>
+            </a:r>
+            <a:r>
+              <a:rPr lang="en-US" sz="1200" b="0" i="0" kern="1200" dirty="0">
+                <a:solidFill>
+                  <a:schemeClr val="tx1"/>
+                </a:solidFill>
+                <a:effectLst/>
+                <a:latin typeface="+mn-lt"/>
+                <a:ea typeface="+mn-ea"/>
+                <a:cs typeface="+mn-cs"/>
+              </a:rPr>
+              <a:t>.</a:t>
             </a:r>
           </a:p>
           <a:p>
@@ -26031,9 +27677,21 @@
                 <a:ea typeface="+mn-ea"/>
                 <a:cs typeface="+mn-cs"/>
               </a:rPr>
-              <a:t>So what do we mean by harm to structure? Clearly tens of thousands of global variables is harmful to the structure of your code. So is leaving dead code in the code base. Structural harm is harm to the organization and content of the source code. Anything that makes the source code hard to read, hard to understand, hard to change, or hard to reuse is structural harm.</a:t>
+              <a:t>So what do we mean by harm to structure? Clearly tens of thousands of global variables is harmful to the structure of your code. So is leaving dead code in the code base. Structural harm is harm to the organization and content of the source code. </a:t>
             </a:r>
-            <a:endParaRPr lang="en-US" dirty="0"/>
+            <a:r>
+              <a:rPr lang="en-US" sz="1200" b="1" i="0" kern="1200" dirty="0">
+                <a:solidFill>
+                  <a:schemeClr val="tx1"/>
+                </a:solidFill>
+                <a:effectLst/>
+                <a:latin typeface="+mn-lt"/>
+                <a:ea typeface="+mn-ea"/>
+                <a:cs typeface="+mn-cs"/>
+              </a:rPr>
+              <a:t>Anything that makes the source code hard to read, hard to understand, hard to change, or hard to reuse is structural harm.</a:t>
+            </a:r>
+            <a:endParaRPr lang="en-US" b="1" dirty="0"/>
           </a:p>
         </p:txBody>
       </p:sp>
@@ -26286,7 +27944,21 @@
                 <a:ea typeface="+mn-ea"/>
                 <a:cs typeface="+mn-cs"/>
               </a:rPr>
-              <a:t>ou understand of course that you're not done when the program works, right. There's more to do. Unfortunately most programmers don't think that way. Most programmers believe they are done when the program works. Illogical, getting the program to work is just the first and easiest step. The second and harder step is to clean the code. You </a:t>
+              <a:t>ou understand of course that you're not done when the program works, right. There's more to do. </a:t>
+            </a:r>
+          </a:p>
+          <a:p>
+            <a:r>
+              <a:rPr lang="en-US" sz="1200" b="0" i="0" kern="1200" dirty="0">
+                <a:solidFill>
+                  <a:schemeClr val="tx1"/>
+                </a:solidFill>
+                <a:effectLst/>
+                <a:latin typeface="+mn-lt"/>
+                <a:ea typeface="+mn-ea"/>
+                <a:cs typeface="+mn-cs"/>
+              </a:rPr>
+              <a:t>Unfortunately most programmers don't think that way. Most programmers believe they are done when the program works. Illogical, getting the program to work is just the first and easiest step. The second and harder step is to clean the code. You </a:t>
             </a:r>
             <a:r>
               <a:rPr lang="en-US" sz="1200" b="0" i="0" kern="1200" dirty="0" err="1">
@@ -26420,7 +28092,175 @@
                 <a:ea typeface="+mn-ea"/>
                 <a:cs typeface="+mn-cs"/>
               </a:rPr>
-              <a:t>So not only do you have the right as a stakeholder, but you also have the duty as an engineer to produce systems that do harm neither to behavior nor to structure. Wo man, I man not sure that I want all that responsibility. You know like I think I'd be happier if they just told me what to do and then I do it. Well Ruby a lot of programmers feel that way and it's a travesty. It's entirely unprofessional. Programmers who feel that way should be paid minimum wage. Because that's what their work output is worth. Look, if you don't take responsibility for the structure of the system who will? Your boss? Does your boss understand the solid principles? Does your boss understand the principles of object oriented design? Does your boss understand dependency inversion or design patterns? Does your boss know how to do test driven development? Does your boss know about the humble object pattern or self shunt or test specific subclasses? Does your boss understand that things that change for different reasons should be separated, but things that change for the same reasons should be grouped together? Does your boss understand software structure? Or is your boss's understanding limited only to behavior? Structure matters. If you're not going to care for it who will? If not you, then who? Yeah, yeah, but I mean what if my boss comes to me and says screw the structure just get it working? Well, you refuse. You have the right to refuse because you're a stakeholder. You have the duty to refuse because you're an engineer and engineers have responsibilities that your boss can't override. Yeah, but like then I'd be fired. Probably not. Most managers expect to have to fight for the things they want and need and they respect people who do likewise. Oh there will probably be a struggle, a confrontation, it won't be very comfortable. But you're a stakeholder and an engineer. It would not be professional for you to just back down and acquiesce. I don't know man. I'm just not real good at confrontation. None of us do. I mean we didn't become programmers because we like working with people. People skills are something that we have to learn a little bit more than other folks. We have to learn how to fight for what we know is right. Because taking responsibility for the things that matter and fighting for those things is how a professional behaves.</a:t>
+              <a:t>So not only do you have the right as a stakeholder, but you also have the duty as an engineer to produce systems that do harm neither to behavior nor to structure. </a:t>
+            </a:r>
+          </a:p>
+          <a:p>
+            <a:r>
+              <a:rPr lang="en-US" sz="1200" b="0" i="0" kern="1200" dirty="0">
+                <a:solidFill>
+                  <a:schemeClr val="tx1"/>
+                </a:solidFill>
+                <a:effectLst/>
+                <a:latin typeface="+mn-lt"/>
+                <a:ea typeface="+mn-ea"/>
+                <a:cs typeface="+mn-cs"/>
+              </a:rPr>
+              <a:t>Wo man, I man not sure that I want all that responsibility. You know like I think I'd be happier if they just told me what to do and then I do it. </a:t>
+            </a:r>
+          </a:p>
+          <a:p>
+            <a:r>
+              <a:rPr lang="en-US" sz="1200" b="0" i="0" kern="1200" dirty="0">
+                <a:solidFill>
+                  <a:schemeClr val="tx1"/>
+                </a:solidFill>
+                <a:effectLst/>
+                <a:latin typeface="+mn-lt"/>
+                <a:ea typeface="+mn-ea"/>
+                <a:cs typeface="+mn-cs"/>
+              </a:rPr>
+              <a:t>Well Ruby a lot of programmers feel that way and it's a travesty. It's entirely unprofessional. Programmers who feel that way should be paid minimum wage. Because that's what their work output is worth.</a:t>
+            </a:r>
+          </a:p>
+          <a:p>
+            <a:r>
+              <a:rPr lang="en-US" sz="1200" b="0" i="0" kern="1200" dirty="0">
+                <a:solidFill>
+                  <a:schemeClr val="tx1"/>
+                </a:solidFill>
+                <a:effectLst/>
+                <a:latin typeface="+mn-lt"/>
+                <a:ea typeface="+mn-ea"/>
+                <a:cs typeface="+mn-cs"/>
+              </a:rPr>
+              <a:t>Look, if you don't take responsibility for the structure of the system who will? Your boss? </a:t>
+            </a:r>
+          </a:p>
+          <a:p>
+            <a:r>
+              <a:rPr lang="en-US" sz="1200" b="0" i="0" kern="1200" dirty="0">
+                <a:solidFill>
+                  <a:schemeClr val="tx1"/>
+                </a:solidFill>
+                <a:effectLst/>
+                <a:latin typeface="+mn-lt"/>
+                <a:ea typeface="+mn-ea"/>
+                <a:cs typeface="+mn-cs"/>
+              </a:rPr>
+              <a:t>Does your boss understand the solid principles? </a:t>
+            </a:r>
+          </a:p>
+          <a:p>
+            <a:r>
+              <a:rPr lang="en-US" sz="1200" b="0" i="0" kern="1200" dirty="0">
+                <a:solidFill>
+                  <a:schemeClr val="tx1"/>
+                </a:solidFill>
+                <a:effectLst/>
+                <a:latin typeface="+mn-lt"/>
+                <a:ea typeface="+mn-ea"/>
+                <a:cs typeface="+mn-cs"/>
+              </a:rPr>
+              <a:t>Does your boss understand the principles of object oriented design? </a:t>
+            </a:r>
+          </a:p>
+          <a:p>
+            <a:r>
+              <a:rPr lang="en-US" sz="1200" b="0" i="0" kern="1200" dirty="0">
+                <a:solidFill>
+                  <a:schemeClr val="tx1"/>
+                </a:solidFill>
+                <a:effectLst/>
+                <a:latin typeface="+mn-lt"/>
+                <a:ea typeface="+mn-ea"/>
+                <a:cs typeface="+mn-cs"/>
+              </a:rPr>
+              <a:t>Does your boss understand dependency inversion or design patterns? </a:t>
+            </a:r>
+          </a:p>
+          <a:p>
+            <a:r>
+              <a:rPr lang="en-US" sz="1200" b="0" i="0" kern="1200" dirty="0">
+                <a:solidFill>
+                  <a:schemeClr val="tx1"/>
+                </a:solidFill>
+                <a:effectLst/>
+                <a:latin typeface="+mn-lt"/>
+                <a:ea typeface="+mn-ea"/>
+                <a:cs typeface="+mn-cs"/>
+              </a:rPr>
+              <a:t>Does your boss know how to do test driven development? </a:t>
+            </a:r>
+          </a:p>
+          <a:p>
+            <a:r>
+              <a:rPr lang="en-US" sz="1200" b="0" i="0" kern="1200" dirty="0">
+                <a:solidFill>
+                  <a:schemeClr val="tx1"/>
+                </a:solidFill>
+                <a:effectLst/>
+                <a:latin typeface="+mn-lt"/>
+                <a:ea typeface="+mn-ea"/>
+                <a:cs typeface="+mn-cs"/>
+              </a:rPr>
+              <a:t>Does your boss know about the humble object pattern or self shunt or test specific subclasses? </a:t>
+            </a:r>
+          </a:p>
+          <a:p>
+            <a:r>
+              <a:rPr lang="en-US" sz="1200" b="0" i="0" kern="1200" dirty="0">
+                <a:solidFill>
+                  <a:schemeClr val="tx1"/>
+                </a:solidFill>
+                <a:effectLst/>
+                <a:latin typeface="+mn-lt"/>
+                <a:ea typeface="+mn-ea"/>
+                <a:cs typeface="+mn-cs"/>
+              </a:rPr>
+              <a:t>Does your boss understand that things that change for different reasons should be separated, but things that change for the same reasons should be grouped together? </a:t>
+            </a:r>
+          </a:p>
+          <a:p>
+            <a:r>
+              <a:rPr lang="en-US" sz="1200" b="0" i="0" kern="1200" dirty="0">
+                <a:solidFill>
+                  <a:schemeClr val="tx1"/>
+                </a:solidFill>
+                <a:effectLst/>
+                <a:latin typeface="+mn-lt"/>
+                <a:ea typeface="+mn-ea"/>
+                <a:cs typeface="+mn-cs"/>
+              </a:rPr>
+              <a:t>Does your boss understand software structure? </a:t>
+            </a:r>
+          </a:p>
+          <a:p>
+            <a:r>
+              <a:rPr lang="en-US" sz="1200" b="0" i="0" kern="1200" dirty="0">
+                <a:solidFill>
+                  <a:schemeClr val="tx1"/>
+                </a:solidFill>
+                <a:effectLst/>
+                <a:latin typeface="+mn-lt"/>
+                <a:ea typeface="+mn-ea"/>
+                <a:cs typeface="+mn-cs"/>
+              </a:rPr>
+              <a:t>Or is your boss's understanding limited only to behavior? Structure matters. </a:t>
+            </a:r>
+          </a:p>
+          <a:p>
+            <a:r>
+              <a:rPr lang="en-US" sz="1200" b="0" i="0" kern="1200" dirty="0">
+                <a:solidFill>
+                  <a:schemeClr val="tx1"/>
+                </a:solidFill>
+                <a:effectLst/>
+                <a:latin typeface="+mn-lt"/>
+                <a:ea typeface="+mn-ea"/>
+                <a:cs typeface="+mn-cs"/>
+              </a:rPr>
+              <a:t>If you're not going to care for it who will? If not you, then who? Yeah, yeah, but I mean what if my boss comes to me and says screw the structure just get it working? Well, you refuse. You have the right to refuse because you're a stakeholder. You have the duty to refuse because you're an engineer and engineers have responsibilities that your boss can't override. Yeah, but like then I'd be fired. Probably not. Most managers expect to have to fight for the things they want and need and they respect people who do likewise. Oh there will probably be a struggle, a confrontation, it won't be very comfortable. But you're a stakeholder and an engineer. It would not be professional for you to just back down and acquiesce. I don't know man. I'm just not real good at confrontation. None of us do. I mean we didn't become programmers because we like working with people. People skills are something that we have to learn a little bit more than other folks. We have to learn how to fight for what we know is right. Because taking responsibility for the things that matter and fighting for those things is how a professional behaves.</a:t>
             </a:r>
             <a:endParaRPr lang="en-US" dirty="0"/>
           </a:p>
@@ -26506,7 +28346,7 @@
           <a:bodyPr/>
           <a:lstStyle/>
           <a:p>
-            <a:endParaRPr lang="en-US" dirty="0"/>
+            <a:endParaRPr lang="en-US"/>
           </a:p>
         </p:txBody>
       </p:sp>
@@ -26527,7 +28367,7 @@
           <a:p>
             <a:fld id="{98CDECF5-EA96-4DEB-B458-ED3A63297640}" type="slidenum">
               <a:rPr lang="en-US" smtClean="0"/>
-              <a:t>10</a:t>
+              <a:t>8</a:t>
             </a:fld>
             <a:endParaRPr lang="en-US"/>
           </a:p>
@@ -26536,7 +28376,7 @@
     </p:spTree>
     <p:extLst>
       <p:ext uri="{BB962C8B-B14F-4D97-AF65-F5344CB8AC3E}">
-        <p14:creationId xmlns:p14="http://schemas.microsoft.com/office/powerpoint/2010/main" val="3059931200"/>
+        <p14:creationId xmlns:p14="http://schemas.microsoft.com/office/powerpoint/2010/main" val="200894713"/>
       </p:ext>
     </p:extLst>
   </p:cSld>
@@ -26547,6 +28387,90 @@
 </file>
 
 <file path=ppt/notesSlides/notesSlide8.xml><?xml version="1.0" encoding="utf-8"?>
+<p:notes xmlns:a="http://schemas.openxmlformats.org/drawingml/2006/main" xmlns:r="http://schemas.openxmlformats.org/officeDocument/2006/relationships" xmlns:p="http://schemas.openxmlformats.org/presentationml/2006/main">
+  <p:cSld>
+    <p:spTree>
+      <p:nvGrpSpPr>
+        <p:cNvPr id="1" name=""/>
+        <p:cNvGrpSpPr/>
+        <p:nvPr/>
+      </p:nvGrpSpPr>
+      <p:grpSpPr>
+        <a:xfrm>
+          <a:off x="0" y="0"/>
+          <a:ext cx="0" cy="0"/>
+          <a:chOff x="0" y="0"/>
+          <a:chExt cx="0" cy="0"/>
+        </a:xfrm>
+      </p:grpSpPr>
+      <p:sp>
+        <p:nvSpPr>
+          <p:cNvPr id="2" name="Slide Image Placeholder 1"/>
+          <p:cNvSpPr>
+            <a:spLocks noGrp="1" noRot="1" noChangeAspect="1"/>
+          </p:cNvSpPr>
+          <p:nvPr>
+            <p:ph type="sldImg"/>
+          </p:nvPr>
+        </p:nvSpPr>
+        <p:spPr/>
+      </p:sp>
+      <p:sp>
+        <p:nvSpPr>
+          <p:cNvPr id="3" name="Notes Placeholder 2"/>
+          <p:cNvSpPr>
+            <a:spLocks noGrp="1"/>
+          </p:cNvSpPr>
+          <p:nvPr>
+            <p:ph type="body" idx="1"/>
+          </p:nvPr>
+        </p:nvSpPr>
+        <p:spPr/>
+        <p:txBody>
+          <a:bodyPr/>
+          <a:lstStyle/>
+          <a:p>
+            <a:endParaRPr lang="en-US"/>
+          </a:p>
+        </p:txBody>
+      </p:sp>
+      <p:sp>
+        <p:nvSpPr>
+          <p:cNvPr id="4" name="Slide Number Placeholder 3"/>
+          <p:cNvSpPr>
+            <a:spLocks noGrp="1"/>
+          </p:cNvSpPr>
+          <p:nvPr>
+            <p:ph type="sldNum" sz="quarter" idx="5"/>
+          </p:nvPr>
+        </p:nvSpPr>
+        <p:spPr/>
+        <p:txBody>
+          <a:bodyPr/>
+          <a:lstStyle/>
+          <a:p>
+            <a:fld id="{98CDECF5-EA96-4DEB-B458-ED3A63297640}" type="slidenum">
+              <a:rPr lang="en-US" smtClean="0"/>
+              <a:t>9</a:t>
+            </a:fld>
+            <a:endParaRPr lang="en-US"/>
+          </a:p>
+        </p:txBody>
+      </p:sp>
+    </p:spTree>
+    <p:extLst>
+      <p:ext uri="{BB962C8B-B14F-4D97-AF65-F5344CB8AC3E}">
+        <p14:creationId xmlns:p14="http://schemas.microsoft.com/office/powerpoint/2010/main" val="2318402549"/>
+      </p:ext>
+    </p:extLst>
+  </p:cSld>
+  <p:clrMapOvr>
+    <a:masterClrMapping/>
+  </p:clrMapOvr>
+</p:notes>
+</file>
+
+<file path=ppt/notesSlides/notesSlide9.xml><?xml version="1.0" encoding="utf-8"?>
 <p:notes xmlns:a="http://schemas.openxmlformats.org/drawingml/2006/main" xmlns:r="http://schemas.openxmlformats.org/officeDocument/2006/relationships" xmlns:p="http://schemas.openxmlformats.org/presentationml/2006/main">
   <p:cSld>
     <p:spTree>
@@ -26611,7 +28535,7 @@
           <a:p>
             <a:fld id="{98CDECF5-EA96-4DEB-B458-ED3A63297640}" type="slidenum">
               <a:rPr lang="en-US" smtClean="0"/>
-              <a:t>14</a:t>
+              <a:t>10</a:t>
             </a:fld>
             <a:endParaRPr lang="en-US"/>
           </a:p>
@@ -26620,103 +28544,7 @@
     </p:spTree>
     <p:extLst>
       <p:ext uri="{BB962C8B-B14F-4D97-AF65-F5344CB8AC3E}">
-        <p14:creationId xmlns:p14="http://schemas.microsoft.com/office/powerpoint/2010/main" val="605309595"/>
-      </p:ext>
-    </p:extLst>
-  </p:cSld>
-  <p:clrMapOvr>
-    <a:masterClrMapping/>
-  </p:clrMapOvr>
-</p:notes>
-</file>
-
-<file path=ppt/notesSlides/notesSlide9.xml><?xml version="1.0" encoding="utf-8"?>
-<p:notes xmlns:a="http://schemas.openxmlformats.org/drawingml/2006/main" xmlns:r="http://schemas.openxmlformats.org/officeDocument/2006/relationships" xmlns:p="http://schemas.openxmlformats.org/presentationml/2006/main">
-  <p:cSld>
-    <p:spTree>
-      <p:nvGrpSpPr>
-        <p:cNvPr id="1" name=""/>
-        <p:cNvGrpSpPr/>
-        <p:nvPr/>
-      </p:nvGrpSpPr>
-      <p:grpSpPr>
-        <a:xfrm>
-          <a:off x="0" y="0"/>
-          <a:ext cx="0" cy="0"/>
-          <a:chOff x="0" y="0"/>
-          <a:chExt cx="0" cy="0"/>
-        </a:xfrm>
-      </p:grpSpPr>
-      <p:sp>
-        <p:nvSpPr>
-          <p:cNvPr id="2" name="Slide Image Placeholder 1"/>
-          <p:cNvSpPr>
-            <a:spLocks noGrp="1" noRot="1" noChangeAspect="1"/>
-          </p:cNvSpPr>
-          <p:nvPr>
-            <p:ph type="sldImg"/>
-          </p:nvPr>
-        </p:nvSpPr>
-        <p:spPr/>
-      </p:sp>
-      <p:sp>
-        <p:nvSpPr>
-          <p:cNvPr id="3" name="Notes Placeholder 2"/>
-          <p:cNvSpPr>
-            <a:spLocks noGrp="1"/>
-          </p:cNvSpPr>
-          <p:nvPr>
-            <p:ph type="body" idx="1"/>
-          </p:nvPr>
-        </p:nvSpPr>
-        <p:spPr/>
-        <p:txBody>
-          <a:bodyPr/>
-          <a:lstStyle/>
-          <a:p>
-            <a:r>
-              <a:rPr lang="en-US" sz="1200" b="0" i="0" kern="1200" dirty="0">
-                <a:solidFill>
-                  <a:schemeClr val="tx1"/>
-                </a:solidFill>
-                <a:effectLst/>
-                <a:latin typeface="+mn-lt"/>
-                <a:ea typeface="+mn-ea"/>
-                <a:cs typeface="+mn-cs"/>
-              </a:rPr>
-              <a:t>The ISO 9126-1 software quality model identifies 6 main quality characteristics, namely:</a:t>
-            </a:r>
-            <a:endParaRPr lang="en-US" b="0" dirty="0"/>
-          </a:p>
-        </p:txBody>
-      </p:sp>
-      <p:sp>
-        <p:nvSpPr>
-          <p:cNvPr id="4" name="Slide Number Placeholder 3"/>
-          <p:cNvSpPr>
-            <a:spLocks noGrp="1"/>
-          </p:cNvSpPr>
-          <p:nvPr>
-            <p:ph type="sldNum" sz="quarter" idx="5"/>
-          </p:nvPr>
-        </p:nvSpPr>
-        <p:spPr/>
-        <p:txBody>
-          <a:bodyPr/>
-          <a:lstStyle/>
-          <a:p>
-            <a:fld id="{98CDECF5-EA96-4DEB-B458-ED3A63297640}" type="slidenum">
-              <a:rPr lang="en-US" smtClean="0"/>
-              <a:t>19</a:t>
-            </a:fld>
-            <a:endParaRPr lang="en-US"/>
-          </a:p>
-        </p:txBody>
-      </p:sp>
-    </p:spTree>
-    <p:extLst>
-      <p:ext uri="{BB962C8B-B14F-4D97-AF65-F5344CB8AC3E}">
-        <p14:creationId xmlns:p14="http://schemas.microsoft.com/office/powerpoint/2010/main" val="4261499027"/>
+        <p14:creationId xmlns:p14="http://schemas.microsoft.com/office/powerpoint/2010/main" val="3059931200"/>
       </p:ext>
     </p:extLst>
   </p:cSld>
@@ -26950,7 +28778,7 @@
           <a:p>
             <a:fld id="{FE9EC3DA-998E-4C89-AEA5-3E45F1DFEC77}" type="datetimeFigureOut">
               <a:rPr lang="en-US" smtClean="0"/>
-              <a:t>3/25/2019</a:t>
+              <a:t>3/26/2019</a:t>
             </a:fld>
             <a:endParaRPr lang="en-US"/>
           </a:p>
@@ -28223,7 +30051,7 @@
           <p:nvPr/>
         </p:nvPicPr>
         <p:blipFill>
-          <a:blip r:embed="rId2">
+          <a:blip r:embed="rId3">
             <a:extLst>
               <a:ext uri="{28A0092B-C50C-407E-A947-70E740481C1C}">
                 <a14:useLocalDpi xmlns:a14="http://schemas.microsoft.com/office/drawing/2010/main" val="0"/>
@@ -28495,7 +30323,7 @@
           <p:nvPr/>
         </p:nvPicPr>
         <p:blipFill>
-          <a:blip r:embed="rId2">
+          <a:blip r:embed="rId3">
             <a:extLst>
               <a:ext uri="{28A0092B-C50C-407E-A947-70E740481C1C}">
                 <a14:useLocalDpi xmlns:a14="http://schemas.microsoft.com/office/drawing/2010/main" val="0"/>
@@ -28772,7 +30600,7 @@
           <p:nvPr/>
         </p:nvPicPr>
         <p:blipFill>
-          <a:blip r:embed="rId2">
+          <a:blip r:embed="rId3">
             <a:extLst>
               <a:ext uri="{28A0092B-C50C-407E-A947-70E740481C1C}">
                 <a14:useLocalDpi xmlns:a14="http://schemas.microsoft.com/office/drawing/2010/main" val="0"/>
@@ -29321,7 +31149,7 @@
           <p:nvPr/>
         </p:nvPicPr>
         <p:blipFill>
-          <a:blip r:embed="rId2">
+          <a:blip r:embed="rId3">
             <a:extLst>
               <a:ext uri="{28A0092B-C50C-407E-A947-70E740481C1C}">
                 <a14:useLocalDpi xmlns:a14="http://schemas.microsoft.com/office/drawing/2010/main" val="0"/>
@@ -29593,7 +31421,7 @@
           <p:nvPr/>
         </p:nvPicPr>
         <p:blipFill>
-          <a:blip r:embed="rId2">
+          <a:blip r:embed="rId3">
             <a:extLst>
               <a:ext uri="{28A0092B-C50C-407E-A947-70E740481C1C}">
                 <a14:useLocalDpi xmlns:a14="http://schemas.microsoft.com/office/drawing/2010/main" val="0"/>
@@ -29870,7 +31698,7 @@
           <p:nvPr/>
         </p:nvPicPr>
         <p:blipFill>
-          <a:blip r:embed="rId2">
+          <a:blip r:embed="rId3">
             <a:extLst>
               <a:ext uri="{28A0092B-C50C-407E-A947-70E740481C1C}">
                 <a14:useLocalDpi xmlns:a14="http://schemas.microsoft.com/office/drawing/2010/main" val="0"/>
@@ -30038,7 +31866,7 @@
           </p:nvPr>
         </p:nvPicPr>
         <p:blipFill>
-          <a:blip r:embed="rId2">
+          <a:blip r:embed="rId3">
             <a:extLst>
               <a:ext uri="{28A0092B-C50C-407E-A947-70E740481C1C}">
                 <a14:useLocalDpi xmlns:a14="http://schemas.microsoft.com/office/drawing/2010/main" val="0"/>
@@ -30157,7 +31985,7 @@
           <p:nvPr/>
         </p:nvPicPr>
         <p:blipFill>
-          <a:blip r:embed="rId3">
+          <a:blip r:embed="rId4">
             <a:extLst>
               <a:ext uri="{28A0092B-C50C-407E-A947-70E740481C1C}">
                 <a14:useLocalDpi xmlns:a14="http://schemas.microsoft.com/office/drawing/2010/main" val="0"/>
@@ -31768,7 +33596,7 @@
         </p:xfrm>
         <a:graphic>
           <a:graphicData uri="http://schemas.openxmlformats.org/drawingml/2006/diagram">
-            <dgm:relIds xmlns:dgm="http://schemas.openxmlformats.org/drawingml/2006/diagram" xmlns:r="http://schemas.openxmlformats.org/officeDocument/2006/relationships" r:dm="rId2" r:lo="rId3" r:qs="rId4" r:cs="rId5"/>
+            <dgm:relIds xmlns:dgm="http://schemas.openxmlformats.org/drawingml/2006/diagram" xmlns:r="http://schemas.openxmlformats.org/officeDocument/2006/relationships" r:dm="rId3" r:lo="rId4" r:qs="rId5" r:cs="rId6"/>
           </a:graphicData>
         </a:graphic>
       </p:graphicFrame>
@@ -31787,7 +33615,7 @@
           <p:nvPr/>
         </p:nvPicPr>
         <p:blipFill>
-          <a:blip r:embed="rId7">
+          <a:blip r:embed="rId8">
             <a:extLst>
               <a:ext uri="{28A0092B-C50C-407E-A947-70E740481C1C}">
                 <a14:useLocalDpi xmlns:a14="http://schemas.microsoft.com/office/drawing/2010/main" val="0"/>
@@ -31956,7 +33784,7 @@
           </p:nvPr>
         </p:nvPicPr>
         <p:blipFill>
-          <a:blip r:embed="rId2">
+          <a:blip r:embed="rId3">
             <a:extLst>
               <a:ext uri="{28A0092B-C50C-407E-A947-70E740481C1C}">
                 <a14:useLocalDpi xmlns:a14="http://schemas.microsoft.com/office/drawing/2010/main" val="0"/>
@@ -32269,7 +34097,7 @@
         </p:xfrm>
         <a:graphic>
           <a:graphicData uri="http://schemas.openxmlformats.org/drawingml/2006/diagram">
-            <dgm:relIds xmlns:dgm="http://schemas.openxmlformats.org/drawingml/2006/diagram" xmlns:r="http://schemas.openxmlformats.org/officeDocument/2006/relationships" r:dm="rId3" r:lo="rId4" r:qs="rId5" r:cs="rId6"/>
+            <dgm:relIds xmlns:dgm="http://schemas.openxmlformats.org/drawingml/2006/diagram" xmlns:r="http://schemas.openxmlformats.org/officeDocument/2006/relationships" r:dm="rId4" r:lo="rId5" r:qs="rId6" r:cs="rId7"/>
           </a:graphicData>
         </a:graphic>
       </p:graphicFrame>
@@ -32288,7 +34116,7 @@
           <p:nvPr/>
         </p:nvPicPr>
         <p:blipFill>
-          <a:blip r:embed="rId8">
+          <a:blip r:embed="rId9">
             <a:extLst>
               <a:ext uri="{28A0092B-C50C-407E-A947-70E740481C1C}">
                 <a14:useLocalDpi xmlns:a14="http://schemas.microsoft.com/office/drawing/2010/main" val="0"/>
@@ -32457,7 +34285,7 @@
           </p:nvPr>
         </p:nvPicPr>
         <p:blipFill>
-          <a:blip r:embed="rId2">
+          <a:blip r:embed="rId3">
             <a:extLst>
               <a:ext uri="{28A0092B-C50C-407E-A947-70E740481C1C}">
                 <a14:useLocalDpi xmlns:a14="http://schemas.microsoft.com/office/drawing/2010/main" val="0"/>
@@ -32737,7 +34565,7 @@
         </p:xfrm>
         <a:graphic>
           <a:graphicData uri="http://schemas.openxmlformats.org/drawingml/2006/diagram">
-            <dgm:relIds xmlns:dgm="http://schemas.openxmlformats.org/drawingml/2006/diagram" xmlns:r="http://schemas.openxmlformats.org/officeDocument/2006/relationships" r:dm="rId3" r:lo="rId4" r:qs="rId5" r:cs="rId6"/>
+            <dgm:relIds xmlns:dgm="http://schemas.openxmlformats.org/drawingml/2006/diagram" xmlns:r="http://schemas.openxmlformats.org/officeDocument/2006/relationships" r:dm="rId4" r:lo="rId5" r:qs="rId6" r:cs="rId7"/>
           </a:graphicData>
         </a:graphic>
       </p:graphicFrame>
@@ -32756,7 +34584,7 @@
           <p:nvPr/>
         </p:nvPicPr>
         <p:blipFill>
-          <a:blip r:embed="rId8">
+          <a:blip r:embed="rId9">
             <a:extLst>
               <a:ext uri="{28A0092B-C50C-407E-A947-70E740481C1C}">
                 <a14:useLocalDpi xmlns:a14="http://schemas.microsoft.com/office/drawing/2010/main" val="0"/>
@@ -33345,7 +35173,7 @@
         </p:xfrm>
         <a:graphic>
           <a:graphicData uri="http://schemas.openxmlformats.org/drawingml/2006/diagram">
-            <dgm:relIds xmlns:dgm="http://schemas.openxmlformats.org/drawingml/2006/diagram" xmlns:r="http://schemas.openxmlformats.org/officeDocument/2006/relationships" r:dm="rId2" r:lo="rId3" r:qs="rId4" r:cs="rId5"/>
+            <dgm:relIds xmlns:dgm="http://schemas.openxmlformats.org/drawingml/2006/diagram" xmlns:r="http://schemas.openxmlformats.org/officeDocument/2006/relationships" r:dm="rId3" r:lo="rId4" r:qs="rId5" r:cs="rId6"/>
           </a:graphicData>
         </a:graphic>
       </p:graphicFrame>
@@ -33364,7 +35192,7 @@
           <p:nvPr/>
         </p:nvPicPr>
         <p:blipFill>
-          <a:blip r:embed="rId7">
+          <a:blip r:embed="rId8">
             <a:extLst>
               <a:ext uri="{28A0092B-C50C-407E-A947-70E740481C1C}">
                 <a14:useLocalDpi xmlns:a14="http://schemas.microsoft.com/office/drawing/2010/main" val="0"/>
@@ -34082,7 +35910,7 @@
           <p:nvPr/>
         </p:nvPicPr>
         <p:blipFill>
-          <a:blip r:embed="rId2">
+          <a:blip r:embed="rId3">
             <a:extLst>
               <a:ext uri="{28A0092B-C50C-407E-A947-70E740481C1C}">
                 <a14:useLocalDpi xmlns:a14="http://schemas.microsoft.com/office/drawing/2010/main" val="0"/>
@@ -34609,38 +36437,38 @@
           <a:lstStyle/>
           <a:p>
             <a:r>
-              <a:rPr lang="en-US" sz="3600" b="1"/>
+              <a:rPr lang="en-US" sz="3600" b="1" dirty="0"/>
               <a:t>Maintainability Index</a:t>
             </a:r>
             <a:br>
-              <a:rPr lang="en-US" sz="3600" b="1"/>
+              <a:rPr lang="en-US" sz="3600" b="1" dirty="0"/>
             </a:br>
             <a:r>
-              <a:rPr lang="en-US" sz="3600" b="1"/>
+              <a:rPr lang="en-US" sz="3600" b="1" dirty="0"/>
               <a:t>Cyclomatic Complexity</a:t>
             </a:r>
             <a:br>
-              <a:rPr lang="en-US" sz="3600" b="1"/>
+              <a:rPr lang="en-US" sz="3600" b="1" dirty="0"/>
             </a:br>
             <a:r>
-              <a:rPr lang="en-US" sz="3600" b="1"/>
+              <a:rPr lang="en-US" sz="3600" b="1" dirty="0"/>
               <a:t>Depth of Inheritance</a:t>
             </a:r>
             <a:br>
-              <a:rPr lang="en-US" sz="3600" b="1"/>
+              <a:rPr lang="en-US" sz="3600" b="1" dirty="0"/>
             </a:br>
             <a:r>
-              <a:rPr lang="en-US" sz="3600" b="1"/>
+              <a:rPr lang="en-US" sz="3600" b="1" dirty="0"/>
               <a:t>Class Coupling</a:t>
             </a:r>
             <a:br>
-              <a:rPr lang="en-US" sz="3600" b="1"/>
+              <a:rPr lang="en-US" sz="3600" b="1" dirty="0"/>
             </a:br>
             <a:r>
-              <a:rPr lang="en-US" sz="3600" b="1"/>
+              <a:rPr lang="en-US" sz="3600" b="1" dirty="0"/>
               <a:t>Lines of Code</a:t>
             </a:r>
-            <a:endParaRPr lang="en-US" sz="3600"/>
+            <a:endParaRPr lang="en-US" sz="3600" dirty="0"/>
           </a:p>
         </p:txBody>
       </p:sp>
@@ -35030,7 +36858,7 @@
             </a:pPr>
             <a:r>
               <a:rPr lang="en-US" dirty="0">
-                <a:hlinkClick r:id="rId2"/>
+                <a:hlinkClick r:id="rId3"/>
               </a:rPr>
               <a:t>http://www.sqa.net/iso9126.html</a:t>
             </a:r>
@@ -35043,7 +36871,7 @@
             </a:pPr>
             <a:r>
               <a:rPr lang="en-US" dirty="0">
-                <a:hlinkClick r:id="rId3"/>
+                <a:hlinkClick r:id="rId4"/>
               </a:rPr>
               <a:t>https://en.wikipedia.org/wiki/Software_package_metrics</a:t>
             </a:r>
@@ -35088,7 +36916,7 @@
           <p:nvPr/>
         </p:nvPicPr>
         <p:blipFill>
-          <a:blip r:embed="rId4">
+          <a:blip r:embed="rId5">
             <a:extLst>
               <a:ext uri="{28A0092B-C50C-407E-A947-70E740481C1C}">
                 <a14:useLocalDpi xmlns:a14="http://schemas.microsoft.com/office/drawing/2010/main" val="0"/>
@@ -35396,6 +37224,41 @@
           </a:prstGeom>
         </p:spPr>
       </p:pic>
+      <p:sp>
+        <p:nvSpPr>
+          <p:cNvPr id="3" name="TextBox 2">
+            <a:extLst>
+              <a:ext uri="{FF2B5EF4-FFF2-40B4-BE49-F238E27FC236}">
+                <a16:creationId xmlns:a16="http://schemas.microsoft.com/office/drawing/2014/main" id="{4FD78043-8209-4E74-B313-A000E1F53DF6}"/>
+              </a:ext>
+            </a:extLst>
+          </p:cNvPr>
+          <p:cNvSpPr txBox="1"/>
+          <p:nvPr/>
+        </p:nvSpPr>
+        <p:spPr>
+          <a:xfrm>
+            <a:off x="4341466" y="3798809"/>
+            <a:ext cx="2947481" cy="369332"/>
+          </a:xfrm>
+          <a:prstGeom prst="rect">
+            <a:avLst/>
+          </a:prstGeom>
+          <a:noFill/>
+        </p:spPr>
+        <p:txBody>
+          <a:bodyPr wrap="square" rtlCol="0">
+            <a:spAutoFit/>
+          </a:bodyPr>
+          <a:lstStyle/>
+          <a:p>
+            <a:r>
+              <a:rPr lang="en-US" dirty="0"/>
+              <a:t>You get out your checkbook ?</a:t>
+            </a:r>
+          </a:p>
+        </p:txBody>
+      </p:sp>
     </p:spTree>
     <p:extLst>
       <p:ext uri="{BB962C8B-B14F-4D97-AF65-F5344CB8AC3E}">
@@ -35563,8 +37426,8 @@
         </p:nvSpPr>
         <p:spPr>
           <a:xfrm>
-            <a:off x="1023257" y="965198"/>
-            <a:ext cx="2707937" cy="4927602"/>
+            <a:off x="321564" y="965198"/>
+            <a:ext cx="3627864" cy="4927602"/>
           </a:xfrm>
         </p:spPr>
         <p:txBody>
@@ -35577,7 +37440,7 @@
               <a:buNone/>
             </a:pPr>
             <a:r>
-              <a:rPr lang="en-US" sz="2000" kern="1200">
+              <a:rPr lang="en-US" sz="2000" kern="1200" dirty="0">
                 <a:solidFill>
                   <a:schemeClr val="accent1"/>
                 </a:solidFill>
@@ -35593,7 +37456,24 @@
               <a:buNone/>
             </a:pPr>
             <a:r>
-              <a:rPr lang="en-US" sz="2000" kern="1200">
+              <a:rPr lang="en-US" sz="2000" dirty="0"/>
+              <a:t>VW</a:t>
+            </a:r>
+            <a:endParaRPr lang="en-US" sz="2000" kern="1200" dirty="0">
+              <a:solidFill>
+                <a:schemeClr val="accent1"/>
+              </a:solidFill>
+              <a:latin typeface="+mn-lt"/>
+              <a:ea typeface="+mn-ea"/>
+              <a:cs typeface="+mn-cs"/>
+            </a:endParaRPr>
+          </a:p>
+          <a:p>
+            <a:pPr marL="0" indent="0" algn="r">
+              <a:buNone/>
+            </a:pPr>
+            <a:r>
+              <a:rPr lang="en-US" sz="2000" kern="1200" dirty="0">
                 <a:solidFill>
                   <a:schemeClr val="accent1"/>
                 </a:solidFill>
@@ -35609,7 +37489,24 @@
               <a:buNone/>
             </a:pPr>
             <a:r>
-              <a:rPr lang="en-US" sz="2000" kern="1200">
+              <a:rPr lang="en-US" sz="2000" dirty="0"/>
+              <a:t>Knight Capitol, www.healthcare.gov </a:t>
+            </a:r>
+            <a:endParaRPr lang="en-US" sz="2000" kern="1200" dirty="0">
+              <a:solidFill>
+                <a:schemeClr val="accent1"/>
+              </a:solidFill>
+              <a:latin typeface="+mn-lt"/>
+              <a:ea typeface="+mn-ea"/>
+              <a:cs typeface="+mn-cs"/>
+            </a:endParaRPr>
+          </a:p>
+          <a:p>
+            <a:pPr marL="0" indent="0" algn="r">
+              <a:buNone/>
+            </a:pPr>
+            <a:r>
+              <a:rPr lang="en-US" sz="2000" kern="1200" dirty="0">
                 <a:solidFill>
                   <a:schemeClr val="accent1"/>
                 </a:solidFill>
@@ -35617,7 +37514,55 @@
                 <a:ea typeface="+mn-ea"/>
                 <a:cs typeface="+mn-cs"/>
               </a:rPr>
-              <a:t>to structure </a:t>
+              <a:t>to structure</a:t>
+            </a:r>
+          </a:p>
+          <a:p>
+            <a:pPr marL="0" indent="0" algn="r">
+              <a:buNone/>
+            </a:pPr>
+            <a:r>
+              <a:rPr lang="en-US" sz="2000" kern="1200" dirty="0">
+                <a:latin typeface="+mn-lt"/>
+                <a:ea typeface="+mn-ea"/>
+                <a:cs typeface="+mn-cs"/>
+              </a:rPr>
+              <a:t>Toyota,</a:t>
+            </a:r>
+          </a:p>
+          <a:p>
+            <a:pPr marL="0" indent="0" algn="r">
+              <a:lnSpc>
+                <a:spcPct val="100000"/>
+              </a:lnSpc>
+              <a:buNone/>
+            </a:pPr>
+            <a:r>
+              <a:rPr lang="en-US" sz="2000" dirty="0"/>
+              <a:t>hard to read, hard to understand, </a:t>
+            </a:r>
+          </a:p>
+          <a:p>
+            <a:pPr marL="0" indent="0" algn="r">
+              <a:lnSpc>
+                <a:spcPct val="100000"/>
+              </a:lnSpc>
+              <a:buNone/>
+            </a:pPr>
+            <a:r>
+              <a:rPr lang="en-US" sz="2000" dirty="0"/>
+              <a:t>hard to change, hard to reuse </a:t>
+            </a:r>
+            <a:r>
+              <a:rPr lang="en-US" sz="2000" kern="1200" dirty="0">
+                <a:solidFill>
+                  <a:schemeClr val="accent1"/>
+                </a:solidFill>
+                <a:latin typeface="+mn-lt"/>
+                <a:ea typeface="+mn-ea"/>
+                <a:cs typeface="+mn-cs"/>
+              </a:rPr>
+              <a:t> </a:t>
             </a:r>
           </a:p>
         </p:txBody>
@@ -35780,17 +37725,16 @@
           <a:lstStyle/>
           <a:p>
             <a:r>
-              <a:rPr lang="en-US" b="1"/>
+              <a:rPr lang="en-US" b="1" dirty="0"/>
               <a:t>The first word of software is soft. </a:t>
             </a:r>
             <a:br>
-              <a:rPr lang="en-US" b="1"/>
+              <a:rPr lang="en-US" b="1" dirty="0"/>
             </a:br>
             <a:r>
-              <a:rPr lang="en-US" b="1"/>
+              <a:rPr lang="en-US" b="1" dirty="0"/>
               <a:t>It's supposed to be soft.</a:t>
             </a:r>
-            <a:endParaRPr lang="en-US" b="1" dirty="0"/>
           </a:p>
         </p:txBody>
       </p:sp>
@@ -35812,18 +37756,21 @@
         </p:nvSpPr>
         <p:spPr>
           <a:xfrm>
-            <a:off x="1524000" y="3947050"/>
-            <a:ext cx="9144000" cy="572583"/>
+            <a:off x="1582544" y="5197877"/>
+            <a:ext cx="4625721" cy="572583"/>
           </a:xfrm>
         </p:spPr>
         <p:txBody>
           <a:bodyPr>
-            <a:normAutofit/>
+            <a:normAutofit fontScale="92500"/>
           </a:bodyPr>
           <a:lstStyle/>
           <a:p>
             <a:pPr algn="l"/>
-            <a:endParaRPr lang="en-US" sz="2000"/>
+            <a:r>
+              <a:rPr lang="en-US" sz="2000" dirty="0"/>
+              <a:t>No product survives contact with the users. </a:t>
+            </a:r>
           </a:p>
         </p:txBody>
       </p:sp>
@@ -36722,11 +38669,14 @@
           </a:bodyPr>
           <a:lstStyle/>
           <a:p>
-            <a:endParaRPr lang="en-US">
-              <a:solidFill>
-                <a:schemeClr val="accent1"/>
-              </a:solidFill>
-            </a:endParaRPr>
+            <a:r>
+              <a:rPr lang="en-US" dirty="0">
+                <a:solidFill>
+                  <a:schemeClr val="accent2"/>
+                </a:solidFill>
+              </a:rPr>
+              <a:t>You understand of course that you're not done when the program works, right?</a:t>
+            </a:r>
           </a:p>
         </p:txBody>
       </p:sp>
@@ -37153,6 +39103,45 @@
           </a:prstGeom>
         </p:spPr>
       </p:pic>
+      <p:sp>
+        <p:nvSpPr>
+          <p:cNvPr id="4" name="TextBox 3">
+            <a:extLst>
+              <a:ext uri="{FF2B5EF4-FFF2-40B4-BE49-F238E27FC236}">
+                <a16:creationId xmlns:a16="http://schemas.microsoft.com/office/drawing/2014/main" id="{ABC90C9F-3297-4911-A52D-C9B1CA0A095A}"/>
+              </a:ext>
+            </a:extLst>
+          </p:cNvPr>
+          <p:cNvSpPr txBox="1"/>
+          <p:nvPr/>
+        </p:nvSpPr>
+        <p:spPr>
+          <a:xfrm>
+            <a:off x="3249038" y="3647872"/>
+            <a:ext cx="6972648" cy="923330"/>
+          </a:xfrm>
+          <a:prstGeom prst="rect">
+            <a:avLst/>
+          </a:prstGeom>
+          <a:noFill/>
+        </p:spPr>
+        <p:txBody>
+          <a:bodyPr wrap="square" rtlCol="0">
+            <a:spAutoFit/>
+          </a:bodyPr>
+          <a:lstStyle/>
+          <a:p>
+            <a:pPr algn="r"/>
+            <a:r>
+              <a:rPr lang="en-US" dirty="0"/>
+              <a:t>If you don't take responsibility for the structure of the system, who will? Your boss? </a:t>
+            </a:r>
+          </a:p>
+          <a:p>
+            <a:endParaRPr lang="en-US" dirty="0"/>
+          </a:p>
+        </p:txBody>
+      </p:sp>
     </p:spTree>
     <p:extLst>
       <p:ext uri="{BB962C8B-B14F-4D97-AF65-F5344CB8AC3E}">
@@ -37900,7 +39889,7 @@
           <p:nvPr/>
         </p:nvPicPr>
         <p:blipFill>
-          <a:blip r:embed="rId2">
+          <a:blip r:embed="rId3">
             <a:extLst>
               <a:ext uri="{28A0092B-C50C-407E-A947-70E740481C1C}">
                 <a14:useLocalDpi xmlns:a14="http://schemas.microsoft.com/office/drawing/2010/main" val="0"/>
@@ -38177,7 +40166,7 @@
           <p:nvPr/>
         </p:nvPicPr>
         <p:blipFill>
-          <a:blip r:embed="rId2">
+          <a:blip r:embed="rId3">
             <a:extLst>
               <a:ext uri="{28A0092B-C50C-407E-A947-70E740481C1C}">
                 <a14:useLocalDpi xmlns:a14="http://schemas.microsoft.com/office/drawing/2010/main" val="0"/>
@@ -38799,4 +40788,299 @@
     </a:ext>
   </a:extLst>
 </a:theme>
+</file>
+
+<file path=ppt/theme/theme3.xml><?xml version="1.0" encoding="utf-8"?>
+<a:theme xmlns:a="http://schemas.openxmlformats.org/drawingml/2006/main" name="Office Theme">
+  <a:themeElements>
+    <a:clrScheme name="Office">
+      <a:dk1>
+        <a:sysClr val="windowText" lastClr="000000"/>
+      </a:dk1>
+      <a:lt1>
+        <a:sysClr val="window" lastClr="FFFFFF"/>
+      </a:lt1>
+      <a:dk2>
+        <a:srgbClr val="44546A"/>
+      </a:dk2>
+      <a:lt2>
+        <a:srgbClr val="E7E6E6"/>
+      </a:lt2>
+      <a:accent1>
+        <a:srgbClr val="4472C4"/>
+      </a:accent1>
+      <a:accent2>
+        <a:srgbClr val="ED7D31"/>
+      </a:accent2>
+      <a:accent3>
+        <a:srgbClr val="A5A5A5"/>
+      </a:accent3>
+      <a:accent4>
+        <a:srgbClr val="FFC000"/>
+      </a:accent4>
+      <a:accent5>
+        <a:srgbClr val="5B9BD5"/>
+      </a:accent5>
+      <a:accent6>
+        <a:srgbClr val="70AD47"/>
+      </a:accent6>
+      <a:hlink>
+        <a:srgbClr val="0563C1"/>
+      </a:hlink>
+      <a:folHlink>
+        <a:srgbClr val="954F72"/>
+      </a:folHlink>
+    </a:clrScheme>
+    <a:fontScheme name="Office">
+      <a:majorFont>
+        <a:latin typeface="Calibri Light" panose="020F0302020204030204"/>
+        <a:ea typeface=""/>
+        <a:cs typeface=""/>
+        <a:font script="Jpan" typeface="游ゴシック Light"/>
+        <a:font script="Hang" typeface="맑은 고딕"/>
+        <a:font script="Hans" typeface="等线 Light"/>
+        <a:font script="Hant" typeface="新細明體"/>
+        <a:font script="Arab" typeface="Times New Roman"/>
+        <a:font script="Hebr" typeface="Times New Roman"/>
+        <a:font script="Thai" typeface="Angsana New"/>
+        <a:font script="Ethi" typeface="Nyala"/>
+        <a:font script="Beng" typeface="Vrinda"/>
+        <a:font script="Gujr" typeface="Shruti"/>
+        <a:font script="Khmr" typeface="MoolBoran"/>
+        <a:font script="Knda" typeface="Tunga"/>
+        <a:font script="Guru" typeface="Raavi"/>
+        <a:font script="Cans" typeface="Euphemia"/>
+        <a:font script="Cher" typeface="Plantagenet Cherokee"/>
+        <a:font script="Yiii" typeface="Microsoft Yi Baiti"/>
+        <a:font script="Tibt" typeface="Microsoft Himalaya"/>
+        <a:font script="Thaa" typeface="MV Boli"/>
+        <a:font script="Deva" typeface="Mangal"/>
+        <a:font script="Telu" typeface="Gautami"/>
+        <a:font script="Taml" typeface="Latha"/>
+        <a:font script="Syrc" typeface="Estrangelo Edessa"/>
+        <a:font script="Orya" typeface="Kalinga"/>
+        <a:font script="Mlym" typeface="Kartika"/>
+        <a:font script="Laoo" typeface="DokChampa"/>
+        <a:font script="Sinh" typeface="Iskoola Pota"/>
+        <a:font script="Mong" typeface="Mongolian Baiti"/>
+        <a:font script="Viet" typeface="Times New Roman"/>
+        <a:font script="Uigh" typeface="Microsoft Uighur"/>
+        <a:font script="Geor" typeface="Sylfaen"/>
+        <a:font script="Armn" typeface="Arial"/>
+        <a:font script="Bugi" typeface="Leelawadee UI"/>
+        <a:font script="Bopo" typeface="Microsoft JhengHei"/>
+        <a:font script="Java" typeface="Javanese Text"/>
+        <a:font script="Lisu" typeface="Segoe UI"/>
+        <a:font script="Mymr" typeface="Myanmar Text"/>
+        <a:font script="Nkoo" typeface="Ebrima"/>
+        <a:font script="Olck" typeface="Nirmala UI"/>
+        <a:font script="Osma" typeface="Ebrima"/>
+        <a:font script="Phag" typeface="Phagspa"/>
+        <a:font script="Syrn" typeface="Estrangelo Edessa"/>
+        <a:font script="Syrj" typeface="Estrangelo Edessa"/>
+        <a:font script="Syre" typeface="Estrangelo Edessa"/>
+        <a:font script="Sora" typeface="Nirmala UI"/>
+        <a:font script="Tale" typeface="Microsoft Tai Le"/>
+        <a:font script="Talu" typeface="Microsoft New Tai Lue"/>
+        <a:font script="Tfng" typeface="Ebrima"/>
+      </a:majorFont>
+      <a:minorFont>
+        <a:latin typeface="Calibri" panose="020F0502020204030204"/>
+        <a:ea typeface=""/>
+        <a:cs typeface=""/>
+        <a:font script="Jpan" typeface="游ゴシック"/>
+        <a:font script="Hang" typeface="맑은 고딕"/>
+        <a:font script="Hans" typeface="等线"/>
+        <a:font script="Hant" typeface="新細明體"/>
+        <a:font script="Arab" typeface="Arial"/>
+        <a:font script="Hebr" typeface="Arial"/>
+        <a:font script="Thai" typeface="Cordia New"/>
+        <a:font script="Ethi" typeface="Nyala"/>
+        <a:font script="Beng" typeface="Vrinda"/>
+        <a:font script="Gujr" typeface="Shruti"/>
+        <a:font script="Khmr" typeface="DaunPenh"/>
+        <a:font script="Knda" typeface="Tunga"/>
+        <a:font script="Guru" typeface="Raavi"/>
+        <a:font script="Cans" typeface="Euphemia"/>
+        <a:font script="Cher" typeface="Plantagenet Cherokee"/>
+        <a:font script="Yiii" typeface="Microsoft Yi Baiti"/>
+        <a:font script="Tibt" typeface="Microsoft Himalaya"/>
+        <a:font script="Thaa" typeface="MV Boli"/>
+        <a:font script="Deva" typeface="Mangal"/>
+        <a:font script="Telu" typeface="Gautami"/>
+        <a:font script="Taml" typeface="Latha"/>
+        <a:font script="Syrc" typeface="Estrangelo Edessa"/>
+        <a:font script="Orya" typeface="Kalinga"/>
+        <a:font script="Mlym" typeface="Kartika"/>
+        <a:font script="Laoo" typeface="DokChampa"/>
+        <a:font script="Sinh" typeface="Iskoola Pota"/>
+        <a:font script="Mong" typeface="Mongolian Baiti"/>
+        <a:font script="Viet" typeface="Arial"/>
+        <a:font script="Uigh" typeface="Microsoft Uighur"/>
+        <a:font script="Geor" typeface="Sylfaen"/>
+        <a:font script="Armn" typeface="Arial"/>
+        <a:font script="Bugi" typeface="Leelawadee UI"/>
+        <a:font script="Bopo" typeface="Microsoft JhengHei"/>
+        <a:font script="Java" typeface="Javanese Text"/>
+        <a:font script="Lisu" typeface="Segoe UI"/>
+        <a:font script="Mymr" typeface="Myanmar Text"/>
+        <a:font script="Nkoo" typeface="Ebrima"/>
+        <a:font script="Olck" typeface="Nirmala UI"/>
+        <a:font script="Osma" typeface="Ebrima"/>
+        <a:font script="Phag" typeface="Phagspa"/>
+        <a:font script="Syrn" typeface="Estrangelo Edessa"/>
+        <a:font script="Syrj" typeface="Estrangelo Edessa"/>
+        <a:font script="Syre" typeface="Estrangelo Edessa"/>
+        <a:font script="Sora" typeface="Nirmala UI"/>
+        <a:font script="Tale" typeface="Microsoft Tai Le"/>
+        <a:font script="Talu" typeface="Microsoft New Tai Lue"/>
+        <a:font script="Tfng" typeface="Ebrima"/>
+      </a:minorFont>
+    </a:fontScheme>
+    <a:fmtScheme name="Office">
+      <a:fillStyleLst>
+        <a:solidFill>
+          <a:schemeClr val="phClr"/>
+        </a:solidFill>
+        <a:gradFill rotWithShape="1">
+          <a:gsLst>
+            <a:gs pos="0">
+              <a:schemeClr val="phClr">
+                <a:lumMod val="110000"/>
+                <a:satMod val="105000"/>
+                <a:tint val="67000"/>
+              </a:schemeClr>
+            </a:gs>
+            <a:gs pos="50000">
+              <a:schemeClr val="phClr">
+                <a:lumMod val="105000"/>
+                <a:satMod val="103000"/>
+                <a:tint val="73000"/>
+              </a:schemeClr>
+            </a:gs>
+            <a:gs pos="100000">
+              <a:schemeClr val="phClr">
+                <a:lumMod val="105000"/>
+                <a:satMod val="109000"/>
+                <a:tint val="81000"/>
+              </a:schemeClr>
+            </a:gs>
+          </a:gsLst>
+          <a:lin ang="5400000" scaled="0"/>
+        </a:gradFill>
+        <a:gradFill rotWithShape="1">
+          <a:gsLst>
+            <a:gs pos="0">
+              <a:schemeClr val="phClr">
+                <a:satMod val="103000"/>
+                <a:lumMod val="102000"/>
+                <a:tint val="94000"/>
+              </a:schemeClr>
+            </a:gs>
+            <a:gs pos="50000">
+              <a:schemeClr val="phClr">
+                <a:satMod val="110000"/>
+                <a:lumMod val="100000"/>
+                <a:shade val="100000"/>
+              </a:schemeClr>
+            </a:gs>
+            <a:gs pos="100000">
+              <a:schemeClr val="phClr">
+                <a:lumMod val="99000"/>
+                <a:satMod val="120000"/>
+                <a:shade val="78000"/>
+              </a:schemeClr>
+            </a:gs>
+          </a:gsLst>
+          <a:lin ang="5400000" scaled="0"/>
+        </a:gradFill>
+      </a:fillStyleLst>
+      <a:lnStyleLst>
+        <a:ln w="6350" cap="flat" cmpd="sng" algn="ctr">
+          <a:solidFill>
+            <a:schemeClr val="phClr"/>
+          </a:solidFill>
+          <a:prstDash val="solid"/>
+          <a:miter lim="800000"/>
+        </a:ln>
+        <a:ln w="12700" cap="flat" cmpd="sng" algn="ctr">
+          <a:solidFill>
+            <a:schemeClr val="phClr"/>
+          </a:solidFill>
+          <a:prstDash val="solid"/>
+          <a:miter lim="800000"/>
+        </a:ln>
+        <a:ln w="19050" cap="flat" cmpd="sng" algn="ctr">
+          <a:solidFill>
+            <a:schemeClr val="phClr"/>
+          </a:solidFill>
+          <a:prstDash val="solid"/>
+          <a:miter lim="800000"/>
+        </a:ln>
+      </a:lnStyleLst>
+      <a:effectStyleLst>
+        <a:effectStyle>
+          <a:effectLst/>
+        </a:effectStyle>
+        <a:effectStyle>
+          <a:effectLst/>
+        </a:effectStyle>
+        <a:effectStyle>
+          <a:effectLst>
+            <a:outerShdw blurRad="57150" dist="19050" dir="5400000" algn="ctr" rotWithShape="0">
+              <a:srgbClr val="000000">
+                <a:alpha val="63000"/>
+              </a:srgbClr>
+            </a:outerShdw>
+          </a:effectLst>
+        </a:effectStyle>
+      </a:effectStyleLst>
+      <a:bgFillStyleLst>
+        <a:solidFill>
+          <a:schemeClr val="phClr"/>
+        </a:solidFill>
+        <a:solidFill>
+          <a:schemeClr val="phClr">
+            <a:tint val="95000"/>
+            <a:satMod val="170000"/>
+          </a:schemeClr>
+        </a:solidFill>
+        <a:gradFill rotWithShape="1">
+          <a:gsLst>
+            <a:gs pos="0">
+              <a:schemeClr val="phClr">
+                <a:tint val="93000"/>
+                <a:satMod val="150000"/>
+                <a:shade val="98000"/>
+                <a:lumMod val="102000"/>
+              </a:schemeClr>
+            </a:gs>
+            <a:gs pos="50000">
+              <a:schemeClr val="phClr">
+                <a:tint val="98000"/>
+                <a:satMod val="130000"/>
+                <a:shade val="90000"/>
+                <a:lumMod val="103000"/>
+              </a:schemeClr>
+            </a:gs>
+            <a:gs pos="100000">
+              <a:schemeClr val="phClr">
+                <a:shade val="63000"/>
+                <a:satMod val="120000"/>
+              </a:schemeClr>
+            </a:gs>
+          </a:gsLst>
+          <a:lin ang="5400000" scaled="0"/>
+        </a:gradFill>
+      </a:bgFillStyleLst>
+    </a:fmtScheme>
+  </a:themeElements>
+  <a:objectDefaults/>
+  <a:extraClrSchemeLst/>
+  <a:extLst>
+    <a:ext uri="{05A4C25C-085E-4340-85A3-A5531E510DB2}">
+      <thm15:themeFamily xmlns:thm15="http://schemas.microsoft.com/office/thememl/2012/main" name="Office Theme" id="{62F939B6-93AF-4DB8-9C6B-D6C7DFDC589F}" vid="{4A3C46E8-61CC-4603-A589-7422A47A8E4A}"/>
+    </a:ext>
+  </a:extLst>
+</a:theme>
 </file>